--- a/example-angular2-ngrx/Introduction to Ngrx.pptx
+++ b/example-angular2-ngrx/Introduction to Ngrx.pptx
@@ -6,19 +6,18 @@
   </p:sldMasterIdLst>
   <p:sldIdLst>
     <p:sldId id="256" r:id="rId3"/>
-    <p:sldId id="257" r:id="rId4"/>
-    <p:sldId id="258" r:id="rId5"/>
-    <p:sldId id="259" r:id="rId6"/>
-    <p:sldId id="260" r:id="rId7"/>
-    <p:sldId id="261" r:id="rId8"/>
-    <p:sldId id="262" r:id="rId9"/>
-    <p:sldId id="264" r:id="rId10"/>
-    <p:sldId id="266" r:id="rId11"/>
-    <p:sldId id="265" r:id="rId12"/>
-    <p:sldId id="267" r:id="rId13"/>
-    <p:sldId id="268" r:id="rId14"/>
-    <p:sldId id="269" r:id="rId15"/>
-    <p:sldId id="263" r:id="rId16"/>
+    <p:sldId id="258" r:id="rId4"/>
+    <p:sldId id="259" r:id="rId5"/>
+    <p:sldId id="260" r:id="rId6"/>
+    <p:sldId id="261" r:id="rId7"/>
+    <p:sldId id="262" r:id="rId8"/>
+    <p:sldId id="264" r:id="rId9"/>
+    <p:sldId id="266" r:id="rId10"/>
+    <p:sldId id="265" r:id="rId11"/>
+    <p:sldId id="267" r:id="rId12"/>
+    <p:sldId id="268" r:id="rId13"/>
+    <p:sldId id="269" r:id="rId14"/>
+    <p:sldId id="263" r:id="rId15"/>
   </p:sldIdLst>
   <p:sldSz cx="12192000" cy="6858000"/>
   <p:notesSz cx="6858000" cy="9144000"/>
@@ -301,7 +300,7 @@
           <a:p>
             <a:fld id="{96DFF08F-DC6B-4601-B491-B0F83F6DD2DA}" type="datetimeFigureOut">
               <a:rPr lang="en-US" dirty="0"/>
-              <a:t>2/5/2017</a:t>
+              <a:t>2/8/2017</a:t>
             </a:fld>
             <a:endParaRPr lang="en-US" dirty="0"/>
           </a:p>
@@ -466,7 +465,7 @@
           <a:p>
             <a:fld id="{96DFF08F-DC6B-4601-B491-B0F83F6DD2DA}" type="datetimeFigureOut">
               <a:rPr lang="en-US" dirty="0"/>
-              <a:t>2/5/2017</a:t>
+              <a:t>2/8/2017</a:t>
             </a:fld>
             <a:endParaRPr lang="en-US" dirty="0"/>
           </a:p>
@@ -684,7 +683,7 @@
           <a:p>
             <a:fld id="{96DFF08F-DC6B-4601-B491-B0F83F6DD2DA}" type="datetimeFigureOut">
               <a:rPr lang="en-US" dirty="0"/>
-              <a:t>2/5/2017</a:t>
+              <a:t>2/8/2017</a:t>
             </a:fld>
             <a:endParaRPr lang="en-US" dirty="0"/>
           </a:p>
@@ -859,7 +858,7 @@
           <a:p>
             <a:fld id="{96DFF08F-DC6B-4601-B491-B0F83F6DD2DA}" type="datetimeFigureOut">
               <a:rPr lang="en-US" dirty="0"/>
-              <a:t>2/5/2017</a:t>
+              <a:t>2/8/2017</a:t>
             </a:fld>
             <a:endParaRPr lang="en-US" dirty="0"/>
           </a:p>
@@ -1161,7 +1160,7 @@
             <a:fld id="{96DFF08F-DC6B-4601-B491-B0F83F6DD2DA}" type="datetimeFigureOut">
               <a:rPr lang="en-US" dirty="0"/>
               <a:pPr/>
-              <a:t>2/5/2017</a:t>
+              <a:t>2/8/2017</a:t>
             </a:fld>
             <a:endParaRPr lang="en-US" dirty="0"/>
           </a:p>
@@ -1461,7 +1460,7 @@
           <a:p>
             <a:fld id="{96DFF08F-DC6B-4601-B491-B0F83F6DD2DA}" type="datetimeFigureOut">
               <a:rPr lang="en-US" dirty="0"/>
-              <a:t>2/5/2017</a:t>
+              <a:t>2/8/2017</a:t>
             </a:fld>
             <a:endParaRPr lang="en-US" dirty="0"/>
           </a:p>
@@ -1878,7 +1877,7 @@
           <a:p>
             <a:fld id="{96DFF08F-DC6B-4601-B491-B0F83F6DD2DA}" type="datetimeFigureOut">
               <a:rPr lang="en-US" dirty="0"/>
-              <a:t>2/5/2017</a:t>
+              <a:t>2/8/2017</a:t>
             </a:fld>
             <a:endParaRPr lang="en-US" dirty="0"/>
           </a:p>
@@ -1991,7 +1990,7 @@
           <a:p>
             <a:fld id="{96DFF08F-DC6B-4601-B491-B0F83F6DD2DA}" type="datetimeFigureOut">
               <a:rPr lang="en-US" dirty="0"/>
-              <a:t>2/5/2017</a:t>
+              <a:t>2/8/2017</a:t>
             </a:fld>
             <a:endParaRPr lang="en-US" dirty="0"/>
           </a:p>
@@ -2081,7 +2080,7 @@
           <a:p>
             <a:fld id="{96DFF08F-DC6B-4601-B491-B0F83F6DD2DA}" type="datetimeFigureOut">
               <a:rPr lang="en-US" dirty="0"/>
-              <a:t>2/5/2017</a:t>
+              <a:t>2/8/2017</a:t>
             </a:fld>
             <a:endParaRPr lang="en-US" dirty="0"/>
           </a:p>
@@ -2349,7 +2348,7 @@
           <a:p>
             <a:fld id="{96DFF08F-DC6B-4601-B491-B0F83F6DD2DA}" type="datetimeFigureOut">
               <a:rPr lang="en-US" dirty="0"/>
-              <a:t>2/5/2017</a:t>
+              <a:t>2/8/2017</a:t>
             </a:fld>
             <a:endParaRPr lang="en-US" dirty="0"/>
           </a:p>
@@ -2609,7 +2608,7 @@
           <a:p>
             <a:fld id="{96DFF08F-DC6B-4601-B491-B0F83F6DD2DA}" type="datetimeFigureOut">
               <a:rPr lang="en-US" dirty="0"/>
-              <a:t>2/5/2017</a:t>
+              <a:t>2/8/2017</a:t>
             </a:fld>
             <a:endParaRPr lang="en-US" dirty="0"/>
           </a:p>
@@ -2854,7 +2853,7 @@
             <a:fld id="{96DFF08F-DC6B-4601-B491-B0F83F6DD2DA}" type="datetimeFigureOut">
               <a:rPr lang="en-US" dirty="0"/>
               <a:pPr/>
-              <a:t>2/5/2017</a:t>
+              <a:t>2/8/2017</a:t>
             </a:fld>
             <a:endParaRPr lang="en-US" dirty="0"/>
           </a:p>
@@ -3345,7 +3344,7 @@
         <p:spPr>
           <a:xfrm>
             <a:off x="947351" y="4391666"/>
-            <a:ext cx="11038703" cy="1704333"/>
+            <a:ext cx="11038703" cy="2009134"/>
           </a:xfrm>
         </p:spPr>
         <p:txBody>
@@ -3363,9 +3362,20 @@
             </a:br>
             <a:r>
               <a:rPr lang="en-AU" sz="3600" dirty="0" smtClean="0"/>
-              <a:t>Tata Consultancy Services</a:t>
-            </a:r>
-            <a:endParaRPr lang="en-AU" sz="3600" dirty="0"/>
+              <a:t>Tata Consultancy </a:t>
+            </a:r>
+            <a:r>
+              <a:rPr lang="en-AU" sz="3600" dirty="0" smtClean="0"/>
+              <a:t>Services</a:t>
+            </a:r>
+            <a:br>
+              <a:rPr lang="en-AU" sz="3600" dirty="0" smtClean="0"/>
+            </a:br>
+            <a:r>
+              <a:rPr lang="en-AU" sz="2800" dirty="0" smtClean="0"/>
+              <a:t>DESS</a:t>
+            </a:r>
+            <a:endParaRPr lang="en-AU" sz="2800" dirty="0"/>
           </a:p>
         </p:txBody>
       </p:sp>
@@ -3509,463 +3519,6 @@
         <p:spPr>
           <a:xfrm>
             <a:off x="16473" y="49425"/>
-            <a:ext cx="2446641" cy="646331"/>
-          </a:xfrm>
-          <a:prstGeom prst="rect">
-            <a:avLst/>
-          </a:prstGeom>
-          <a:noFill/>
-        </p:spPr>
-        <p:txBody>
-          <a:bodyPr wrap="square" rtlCol="0">
-            <a:spAutoFit/>
-          </a:bodyPr>
-          <a:lstStyle/>
-          <a:p>
-            <a:r>
-              <a:rPr lang="en-AU" sz="3600" dirty="0" err="1">
-                <a:solidFill>
-                  <a:schemeClr val="bg2"/>
-                </a:solidFill>
-                <a:latin typeface="Calibri" panose="020F0502020204030204" pitchFamily="34" charset="0"/>
-              </a:rPr>
-              <a:t>ngrx</a:t>
-            </a:r>
-            <a:r>
-              <a:rPr lang="en-AU" sz="3600" dirty="0">
-                <a:solidFill>
-                  <a:schemeClr val="bg2"/>
-                </a:solidFill>
-                <a:latin typeface="Calibri" panose="020F0502020204030204" pitchFamily="34" charset="0"/>
-              </a:rPr>
-              <a:t>/effects</a:t>
-            </a:r>
-          </a:p>
-        </p:txBody>
-      </p:sp>
-      <p:sp>
-        <p:nvSpPr>
-          <p:cNvPr id="5" name="TextBox 4"/>
-          <p:cNvSpPr txBox="1"/>
-          <p:nvPr/>
-        </p:nvSpPr>
-        <p:spPr>
-          <a:xfrm>
-            <a:off x="2339544" y="214184"/>
-            <a:ext cx="9852456" cy="369332"/>
-          </a:xfrm>
-          <a:prstGeom prst="rect">
-            <a:avLst/>
-          </a:prstGeom>
-          <a:noFill/>
-        </p:spPr>
-        <p:txBody>
-          <a:bodyPr wrap="square" rtlCol="0">
-            <a:spAutoFit/>
-          </a:bodyPr>
-          <a:lstStyle/>
-          <a:p>
-            <a:r>
-              <a:rPr lang="en-AU" dirty="0" smtClean="0">
-                <a:solidFill>
-                  <a:schemeClr val="bg2"/>
-                </a:solidFill>
-              </a:rPr>
-              <a:t>-&gt; listens </a:t>
-            </a:r>
-            <a:r>
-              <a:rPr lang="en-AU" dirty="0">
-                <a:solidFill>
-                  <a:schemeClr val="bg2"/>
-                </a:solidFill>
-              </a:rPr>
-              <a:t>for actions being dispatched to the </a:t>
-            </a:r>
-            <a:r>
-              <a:rPr lang="en-AU" dirty="0" smtClean="0">
-                <a:solidFill>
-                  <a:schemeClr val="bg2"/>
-                </a:solidFill>
-              </a:rPr>
-              <a:t>store and can generate a new action and dispatches it.</a:t>
-            </a:r>
-            <a:endParaRPr lang="en-AU" dirty="0">
-              <a:solidFill>
-                <a:schemeClr val="bg2"/>
-              </a:solidFill>
-            </a:endParaRPr>
-          </a:p>
-        </p:txBody>
-      </p:sp>
-      <p:pic>
-        <p:nvPicPr>
-          <p:cNvPr id="6" name="Picture 5"/>
-          <p:cNvPicPr>
-            <a:picLocks noChangeAspect="1"/>
-          </p:cNvPicPr>
-          <p:nvPr/>
-        </p:nvPicPr>
-        <p:blipFill>
-          <a:blip r:embed="rId2"/>
-          <a:stretch>
-            <a:fillRect/>
-          </a:stretch>
-        </p:blipFill>
-        <p:spPr>
-          <a:xfrm>
-            <a:off x="199767" y="864926"/>
-            <a:ext cx="7162800" cy="5650125"/>
-          </a:xfrm>
-          <a:prstGeom prst="rect">
-            <a:avLst/>
-          </a:prstGeom>
-        </p:spPr>
-      </p:pic>
-      <p:sp>
-        <p:nvSpPr>
-          <p:cNvPr id="7" name="TextBox 6"/>
-          <p:cNvSpPr txBox="1"/>
-          <p:nvPr/>
-        </p:nvSpPr>
-        <p:spPr>
-          <a:xfrm>
-            <a:off x="7545858" y="1235676"/>
-            <a:ext cx="4456671" cy="923330"/>
-          </a:xfrm>
-          <a:prstGeom prst="rect">
-            <a:avLst/>
-          </a:prstGeom>
-          <a:noFill/>
-        </p:spPr>
-        <p:txBody>
-          <a:bodyPr wrap="square" rtlCol="0">
-            <a:spAutoFit/>
-          </a:bodyPr>
-          <a:lstStyle/>
-          <a:p>
-            <a:r>
-              <a:rPr lang="en-AU" dirty="0" smtClean="0"/>
-              <a:t>We subscribe to ‘</a:t>
-            </a:r>
-            <a:r>
-              <a:rPr lang="en-AU" dirty="0" err="1" smtClean="0"/>
-              <a:t>this.actions</a:t>
-            </a:r>
-            <a:r>
-              <a:rPr lang="en-AU" dirty="0" smtClean="0"/>
-              <a:t>$’ Observable and listen to actions </a:t>
-            </a:r>
-            <a:r>
-              <a:rPr lang="en-AU" dirty="0" err="1" smtClean="0"/>
-              <a:t>ofType</a:t>
-            </a:r>
-            <a:r>
-              <a:rPr lang="en-AU" dirty="0" smtClean="0"/>
-              <a:t> ‘GET_BOOKS’ or ‘GET_CARS’.</a:t>
-            </a:r>
-            <a:endParaRPr lang="en-AU" dirty="0"/>
-          </a:p>
-        </p:txBody>
-      </p:sp>
-      <p:grpSp>
-        <p:nvGrpSpPr>
-          <p:cNvPr id="12" name="Group 11"/>
-          <p:cNvGrpSpPr/>
-          <p:nvPr/>
-        </p:nvGrpSpPr>
-        <p:grpSpPr>
-          <a:xfrm>
-            <a:off x="3896497" y="1697341"/>
-            <a:ext cx="3649361" cy="2471005"/>
-            <a:chOff x="3896497" y="1697341"/>
-            <a:chExt cx="3649361" cy="2471005"/>
-          </a:xfrm>
-        </p:grpSpPr>
-        <p:cxnSp>
-          <p:nvCxnSpPr>
-            <p:cNvPr id="9" name="Straight Arrow Connector 8"/>
-            <p:cNvCxnSpPr>
-              <a:stCxn id="7" idx="1"/>
-            </p:cNvCxnSpPr>
-            <p:nvPr/>
-          </p:nvCxnSpPr>
-          <p:spPr>
-            <a:xfrm flipH="1">
-              <a:off x="4020065" y="1697341"/>
-              <a:ext cx="3525793" cy="1054097"/>
-            </a:xfrm>
-            <a:prstGeom prst="straightConnector1">
-              <a:avLst/>
-            </a:prstGeom>
-            <a:ln>
-              <a:solidFill>
-                <a:srgbClr val="FF0000"/>
-              </a:solidFill>
-              <a:tailEnd type="triangle"/>
-            </a:ln>
-          </p:spPr>
-          <p:style>
-            <a:lnRef idx="1">
-              <a:schemeClr val="accent1"/>
-            </a:lnRef>
-            <a:fillRef idx="0">
-              <a:schemeClr val="accent1"/>
-            </a:fillRef>
-            <a:effectRef idx="0">
-              <a:schemeClr val="accent1"/>
-            </a:effectRef>
-            <a:fontRef idx="minor">
-              <a:schemeClr val="tx1"/>
-            </a:fontRef>
-          </p:style>
-        </p:cxnSp>
-        <p:cxnSp>
-          <p:nvCxnSpPr>
-            <p:cNvPr id="11" name="Straight Arrow Connector 10"/>
-            <p:cNvCxnSpPr>
-              <a:stCxn id="7" idx="1"/>
-            </p:cNvCxnSpPr>
-            <p:nvPr/>
-          </p:nvCxnSpPr>
-          <p:spPr>
-            <a:xfrm flipH="1">
-              <a:off x="3896497" y="1697341"/>
-              <a:ext cx="3649361" cy="2471005"/>
-            </a:xfrm>
-            <a:prstGeom prst="straightConnector1">
-              <a:avLst/>
-            </a:prstGeom>
-            <a:ln>
-              <a:solidFill>
-                <a:srgbClr val="FF0000"/>
-              </a:solidFill>
-              <a:tailEnd type="triangle"/>
-            </a:ln>
-          </p:spPr>
-          <p:style>
-            <a:lnRef idx="1">
-              <a:schemeClr val="accent1"/>
-            </a:lnRef>
-            <a:fillRef idx="0">
-              <a:schemeClr val="accent1"/>
-            </a:fillRef>
-            <a:effectRef idx="0">
-              <a:schemeClr val="accent1"/>
-            </a:effectRef>
-            <a:fontRef idx="minor">
-              <a:schemeClr val="tx1"/>
-            </a:fontRef>
-          </p:style>
-        </p:cxnSp>
-      </p:grpSp>
-      <p:sp>
-        <p:nvSpPr>
-          <p:cNvPr id="13" name="TextBox 12"/>
-          <p:cNvSpPr txBox="1"/>
-          <p:nvPr/>
-        </p:nvSpPr>
-        <p:spPr>
-          <a:xfrm>
-            <a:off x="7486135" y="2677990"/>
-            <a:ext cx="4646142" cy="2585323"/>
-          </a:xfrm>
-          <a:prstGeom prst="rect">
-            <a:avLst/>
-          </a:prstGeom>
-          <a:noFill/>
-        </p:spPr>
-        <p:txBody>
-          <a:bodyPr wrap="square" rtlCol="0">
-            <a:spAutoFit/>
-          </a:bodyPr>
-          <a:lstStyle/>
-          <a:p>
-            <a:pPr marL="285750" indent="-285750">
-              <a:buClr>
-                <a:srgbClr val="FF0000"/>
-              </a:buClr>
-              <a:buFont typeface="Wingdings" panose="05000000000000000000" pitchFamily="2" charset="2"/>
-              <a:buChar char="v"/>
-            </a:pPr>
-            <a:r>
-              <a:rPr lang="en-AU" dirty="0"/>
-              <a:t>Then we call </a:t>
-            </a:r>
-            <a:r>
-              <a:rPr lang="en-AU" dirty="0" err="1"/>
-              <a:t>switchMap</a:t>
-            </a:r>
-            <a:r>
-              <a:rPr lang="en-AU" dirty="0"/>
-              <a:t> on that as we’re going to get a whole new observable from the </a:t>
-            </a:r>
-            <a:r>
-              <a:rPr lang="en-AU" dirty="0" smtClean="0"/>
-              <a:t>service.</a:t>
-            </a:r>
-          </a:p>
-          <a:p>
-            <a:pPr marL="285750" indent="-285750">
-              <a:buClr>
-                <a:srgbClr val="FF0000"/>
-              </a:buClr>
-              <a:buFont typeface="Wingdings" panose="05000000000000000000" pitchFamily="2" charset="2"/>
-              <a:buChar char="v"/>
-            </a:pPr>
-            <a:r>
-              <a:rPr lang="en-AU" dirty="0" smtClean="0"/>
-              <a:t>The </a:t>
-            </a:r>
-            <a:r>
-              <a:rPr lang="en-AU" dirty="0"/>
-              <a:t>subsequent map call then operates on a list of books/cars from the service. </a:t>
-            </a:r>
-            <a:endParaRPr lang="en-AU" dirty="0" smtClean="0"/>
-          </a:p>
-          <a:p>
-            <a:pPr marL="285750" indent="-285750">
-              <a:buClr>
-                <a:srgbClr val="FF0000"/>
-              </a:buClr>
-              <a:buFont typeface="Wingdings" panose="05000000000000000000" pitchFamily="2" charset="2"/>
-              <a:buChar char="v"/>
-            </a:pPr>
-            <a:r>
-              <a:rPr lang="en-AU" dirty="0" smtClean="0"/>
-              <a:t>We </a:t>
-            </a:r>
-            <a:r>
-              <a:rPr lang="en-AU" dirty="0"/>
-              <a:t>pass that </a:t>
-            </a:r>
-            <a:r>
-              <a:rPr lang="en-AU" dirty="0" smtClean="0"/>
-              <a:t>response list </a:t>
-            </a:r>
-            <a:r>
-              <a:rPr lang="en-AU" dirty="0"/>
-              <a:t>to </a:t>
-            </a:r>
-            <a:r>
-              <a:rPr lang="en-AU" dirty="0" smtClean="0"/>
-              <a:t>respective success action. </a:t>
-            </a:r>
-          </a:p>
-          <a:p>
-            <a:pPr marL="285750" indent="-285750">
-              <a:buClr>
-                <a:srgbClr val="FF0000"/>
-              </a:buClr>
-              <a:buFont typeface="Wingdings" panose="05000000000000000000" pitchFamily="2" charset="2"/>
-              <a:buChar char="v"/>
-            </a:pPr>
-            <a:r>
-              <a:rPr lang="en-AU" dirty="0" err="1" smtClean="0"/>
-              <a:t>Ngrx</a:t>
-            </a:r>
-            <a:r>
-              <a:rPr lang="en-AU" dirty="0" smtClean="0"/>
-              <a:t>/effects </a:t>
-            </a:r>
-            <a:r>
-              <a:rPr lang="en-AU" dirty="0"/>
-              <a:t>then will take care of dispatching this new action to the store.</a:t>
-            </a:r>
-          </a:p>
-        </p:txBody>
-      </p:sp>
-    </p:spTree>
-    <p:extLst>
-      <p:ext uri="{BB962C8B-B14F-4D97-AF65-F5344CB8AC3E}">
-        <p14:creationId xmlns:p14="http://schemas.microsoft.com/office/powerpoint/2010/main" val="4257121483"/>
-      </p:ext>
-    </p:extLst>
-  </p:cSld>
-  <p:clrMapOvr>
-    <a:masterClrMapping/>
-  </p:clrMapOvr>
-  <p:timing>
-    <p:tnLst>
-      <p:par>
-        <p:cTn id="1" dur="indefinite" restart="never" nodeType="tmRoot"/>
-      </p:par>
-    </p:tnLst>
-  </p:timing>
-</p:sld>
-</file>
-
-<file path=ppt/slides/slide11.xml><?xml version="1.0" encoding="utf-8"?>
-<p:sld xmlns:a="http://schemas.openxmlformats.org/drawingml/2006/main" xmlns:r="http://schemas.openxmlformats.org/officeDocument/2006/relationships" xmlns:p="http://schemas.openxmlformats.org/presentationml/2006/main">
-  <p:cSld>
-    <p:spTree>
-      <p:nvGrpSpPr>
-        <p:cNvPr id="1" name=""/>
-        <p:cNvGrpSpPr/>
-        <p:nvPr/>
-      </p:nvGrpSpPr>
-      <p:grpSpPr>
-        <a:xfrm>
-          <a:off x="0" y="0"/>
-          <a:ext cx="0" cy="0"/>
-          <a:chOff x="0" y="0"/>
-          <a:chExt cx="0" cy="0"/>
-        </a:xfrm>
-      </p:grpSpPr>
-      <p:sp>
-        <p:nvSpPr>
-          <p:cNvPr id="2" name="Rectangle 1"/>
-          <p:cNvSpPr/>
-          <p:nvPr/>
-        </p:nvSpPr>
-        <p:spPr>
-          <a:xfrm>
-            <a:off x="0" y="65950"/>
-            <a:ext cx="12192000" cy="650742"/>
-          </a:xfrm>
-          <a:prstGeom prst="rect">
-            <a:avLst/>
-          </a:prstGeom>
-          <a:solidFill>
-            <a:schemeClr val="tx1"/>
-          </a:solidFill>
-          <a:ln>
-            <a:noFill/>
-          </a:ln>
-        </p:spPr>
-        <p:style>
-          <a:lnRef idx="2">
-            <a:schemeClr val="accent1">
-              <a:shade val="50000"/>
-            </a:schemeClr>
-          </a:lnRef>
-          <a:fillRef idx="1">
-            <a:schemeClr val="accent1"/>
-          </a:fillRef>
-          <a:effectRef idx="0">
-            <a:schemeClr val="accent1"/>
-          </a:effectRef>
-          <a:fontRef idx="minor">
-            <a:schemeClr val="lt1"/>
-          </a:fontRef>
-        </p:style>
-        <p:txBody>
-          <a:bodyPr rtlCol="0" anchor="ctr"/>
-          <a:lstStyle/>
-          <a:p>
-            <a:pPr algn="ctr"/>
-            <a:endParaRPr lang="en-AU"/>
-          </a:p>
-        </p:txBody>
-      </p:sp>
-      <p:sp>
-        <p:nvSpPr>
-          <p:cNvPr id="3" name="TextBox 2"/>
-          <p:cNvSpPr txBox="1"/>
-          <p:nvPr/>
-        </p:nvSpPr>
-        <p:spPr>
-          <a:xfrm>
-            <a:off x="16473" y="49425"/>
             <a:ext cx="8081322" cy="646331"/>
           </a:xfrm>
           <a:prstGeom prst="rect">
@@ -4059,7 +3612,7 @@
 </p:sld>
 </file>
 
-<file path=ppt/slides/slide12.xml><?xml version="1.0" encoding="utf-8"?>
+<file path=ppt/slides/slide11.xml><?xml version="1.0" encoding="utf-8"?>
 <p:sld xmlns:a="http://schemas.openxmlformats.org/drawingml/2006/main" xmlns:r="http://schemas.openxmlformats.org/officeDocument/2006/relationships" xmlns:p="http://schemas.openxmlformats.org/presentationml/2006/main">
   <p:cSld>
     <p:spTree>
@@ -4380,7 +3933,7 @@
 </p:sld>
 </file>
 
-<file path=ppt/slides/slide13.xml><?xml version="1.0" encoding="utf-8"?>
+<file path=ppt/slides/slide12.xml><?xml version="1.0" encoding="utf-8"?>
 <p:sld xmlns:a="http://schemas.openxmlformats.org/drawingml/2006/main" xmlns:r="http://schemas.openxmlformats.org/officeDocument/2006/relationships" xmlns:p="http://schemas.openxmlformats.org/presentationml/2006/main">
   <p:cSld>
     <p:spTree>
@@ -4459,6 +4012,70 @@
               </a:rPr>
               <a:t>https://github.com/timmyktom/angular2_ngrx_example</a:t>
             </a:r>
+          </a:p>
+        </p:txBody>
+      </p:sp>
+      <p:sp>
+        <p:nvSpPr>
+          <p:cNvPr id="4" name="TextBox 3"/>
+          <p:cNvSpPr txBox="1"/>
+          <p:nvPr/>
+        </p:nvSpPr>
+        <p:spPr>
+          <a:xfrm>
+            <a:off x="7982465" y="3303373"/>
+            <a:ext cx="4209535" cy="1200329"/>
+          </a:xfrm>
+          <a:prstGeom prst="rect">
+            <a:avLst/>
+          </a:prstGeom>
+          <a:noFill/>
+        </p:spPr>
+        <p:txBody>
+          <a:bodyPr wrap="square" rtlCol="0">
+            <a:spAutoFit/>
+          </a:bodyPr>
+          <a:lstStyle/>
+          <a:p>
+            <a:pPr marL="285750" indent="-285750">
+              <a:buFont typeface="Arial" panose="020B0604020202020204" pitchFamily="34" charset="0"/>
+              <a:buChar char="•"/>
+            </a:pPr>
+            <a:r>
+              <a:rPr lang="en-AU" dirty="0" smtClean="0"/>
+              <a:t>Container and Dump component</a:t>
+            </a:r>
+          </a:p>
+          <a:p>
+            <a:pPr marL="285750" indent="-285750">
+              <a:buFont typeface="Arial" panose="020B0604020202020204" pitchFamily="34" charset="0"/>
+              <a:buChar char="•"/>
+            </a:pPr>
+            <a:r>
+              <a:rPr lang="en-AU" dirty="0" smtClean="0"/>
+              <a:t>Error Handling</a:t>
+            </a:r>
+          </a:p>
+          <a:p>
+            <a:pPr marL="285750" indent="-285750">
+              <a:buFont typeface="Arial" panose="020B0604020202020204" pitchFamily="34" charset="0"/>
+              <a:buChar char="•"/>
+            </a:pPr>
+            <a:r>
+              <a:rPr lang="en-AU" dirty="0" smtClean="0"/>
+              <a:t>Route Guard</a:t>
+            </a:r>
+          </a:p>
+          <a:p>
+            <a:pPr marL="285750" indent="-285750">
+              <a:buFont typeface="Arial" panose="020B0604020202020204" pitchFamily="34" charset="0"/>
+              <a:buChar char="•"/>
+            </a:pPr>
+            <a:r>
+              <a:rPr lang="en-AU" dirty="0" smtClean="0"/>
+              <a:t>Unit test </a:t>
+            </a:r>
+            <a:endParaRPr lang="en-AU" dirty="0"/>
           </a:p>
         </p:txBody>
       </p:sp>
@@ -4482,7 +4099,7 @@
 </p:sld>
 </file>
 
-<file path=ppt/slides/slide14.xml><?xml version="1.0" encoding="utf-8"?>
+<file path=ppt/slides/slide13.xml><?xml version="1.0" encoding="utf-8"?>
 <p:sld xmlns:a="http://schemas.openxmlformats.org/drawingml/2006/main" xmlns:r="http://schemas.openxmlformats.org/officeDocument/2006/relationships" xmlns:p="http://schemas.openxmlformats.org/presentationml/2006/main">
   <p:cSld>
     <p:spTree>
@@ -4581,314 +4198,6 @@
             <p:ph type="title"/>
           </p:nvPr>
         </p:nvSpPr>
-        <p:spPr>
-          <a:xfrm>
-            <a:off x="1202919" y="284176"/>
-            <a:ext cx="9784080" cy="729078"/>
-          </a:xfrm>
-        </p:spPr>
-        <p:txBody>
-          <a:bodyPr/>
-          <a:lstStyle/>
-          <a:p>
-            <a:r>
-              <a:rPr lang="en-AU" dirty="0" smtClean="0"/>
-              <a:t>About me</a:t>
-            </a:r>
-            <a:endParaRPr lang="en-AU" dirty="0"/>
-          </a:p>
-        </p:txBody>
-      </p:sp>
-      <p:sp>
-        <p:nvSpPr>
-          <p:cNvPr id="3" name="Content Placeholder 2"/>
-          <p:cNvSpPr>
-            <a:spLocks noGrp="1"/>
-          </p:cNvSpPr>
-          <p:nvPr>
-            <p:ph idx="1"/>
-          </p:nvPr>
-        </p:nvSpPr>
-        <p:spPr>
-          <a:xfrm>
-            <a:off x="605032" y="2225417"/>
-            <a:ext cx="9784080" cy="4206240"/>
-          </a:xfrm>
-        </p:spPr>
-        <p:txBody>
-          <a:bodyPr/>
-          <a:lstStyle/>
-          <a:p>
-            <a:pPr marL="0" indent="0">
-              <a:buNone/>
-            </a:pPr>
-            <a:endParaRPr lang="en-AU" dirty="0"/>
-          </a:p>
-        </p:txBody>
-      </p:sp>
-      <p:pic>
-        <p:nvPicPr>
-          <p:cNvPr id="1027" name="Picture 3" descr="Cert_IBM_Cloud"/>
-          <p:cNvPicPr>
-            <a:picLocks noChangeAspect="1" noChangeArrowheads="1"/>
-          </p:cNvPicPr>
-          <p:nvPr/>
-        </p:nvPicPr>
-        <p:blipFill>
-          <a:blip r:embed="rId2">
-            <a:extLst>
-              <a:ext uri="{28A0092B-C50C-407E-A947-70E740481C1C}">
-                <a14:useLocalDpi xmlns:a14="http://schemas.microsoft.com/office/drawing/2010/main" val="0"/>
-              </a:ext>
-            </a:extLst>
-          </a:blip>
-          <a:srcRect/>
-          <a:stretch>
-            <a:fillRect/>
-          </a:stretch>
-        </p:blipFill>
-        <p:spPr bwMode="auto">
-          <a:xfrm>
-            <a:off x="8316741" y="5788596"/>
-            <a:ext cx="1895475" cy="342900"/>
-          </a:xfrm>
-          <a:prstGeom prst="rect">
-            <a:avLst/>
-          </a:prstGeom>
-          <a:noFill/>
-          <a:ln>
-            <a:noFill/>
-          </a:ln>
-          <a:extLst>
-            <a:ext uri="{909E8E84-426E-40DD-AFC4-6F175D3DCCD1}">
-              <a14:hiddenFill xmlns:a14="http://schemas.microsoft.com/office/drawing/2010/main">
-                <a:solidFill>
-                  <a:srgbClr val="FFFFFF"/>
-                </a:solidFill>
-              </a14:hiddenFill>
-            </a:ext>
-            <a:ext uri="{91240B29-F687-4F45-9708-019B960494DF}">
-              <a14:hiddenLine xmlns:a14="http://schemas.microsoft.com/office/drawing/2010/main" w="9525">
-                <a:solidFill>
-                  <a:srgbClr val="000000"/>
-                </a:solidFill>
-                <a:miter lim="800000"/>
-                <a:headEnd/>
-                <a:tailEnd/>
-              </a14:hiddenLine>
-            </a:ext>
-          </a:extLst>
-        </p:spPr>
-      </p:pic>
-      <p:pic>
-        <p:nvPicPr>
-          <p:cNvPr id="1028" name="Picture 4" descr="MS(rgb)_1485"/>
-          <p:cNvPicPr>
-            <a:picLocks noChangeAspect="1" noChangeArrowheads="1"/>
-          </p:cNvPicPr>
-          <p:nvPr/>
-        </p:nvPicPr>
-        <p:blipFill>
-          <a:blip r:embed="rId3">
-            <a:extLst>
-              <a:ext uri="{28A0092B-C50C-407E-A947-70E740481C1C}">
-                <a14:useLocalDpi xmlns:a14="http://schemas.microsoft.com/office/drawing/2010/main" val="0"/>
-              </a:ext>
-            </a:extLst>
-          </a:blip>
-          <a:srcRect/>
-          <a:stretch>
-            <a:fillRect/>
-          </a:stretch>
-        </p:blipFill>
-        <p:spPr bwMode="auto">
-          <a:xfrm>
-            <a:off x="8326266" y="5291598"/>
-            <a:ext cx="1885950" cy="323850"/>
-          </a:xfrm>
-          <a:prstGeom prst="rect">
-            <a:avLst/>
-          </a:prstGeom>
-          <a:noFill/>
-          <a:ln>
-            <a:noFill/>
-          </a:ln>
-          <a:extLst>
-            <a:ext uri="{909E8E84-426E-40DD-AFC4-6F175D3DCCD1}">
-              <a14:hiddenFill xmlns:a14="http://schemas.microsoft.com/office/drawing/2010/main">
-                <a:solidFill>
-                  <a:srgbClr val="FFFFFF"/>
-                </a:solidFill>
-              </a14:hiddenFill>
-            </a:ext>
-            <a:ext uri="{91240B29-F687-4F45-9708-019B960494DF}">
-              <a14:hiddenLine xmlns:a14="http://schemas.microsoft.com/office/drawing/2010/main" w="9525">
-                <a:solidFill>
-                  <a:srgbClr val="000000"/>
-                </a:solidFill>
-                <a:miter lim="800000"/>
-                <a:headEnd/>
-                <a:tailEnd/>
-              </a14:hiddenLine>
-            </a:ext>
-          </a:extLst>
-        </p:spPr>
-      </p:pic>
-      <p:pic>
-        <p:nvPicPr>
-          <p:cNvPr id="1029" name="Picture 5" descr="ACE_FlexAIR_resized"/>
-          <p:cNvPicPr>
-            <a:picLocks noChangeAspect="1" noChangeArrowheads="1"/>
-          </p:cNvPicPr>
-          <p:nvPr/>
-        </p:nvPicPr>
-        <p:blipFill>
-          <a:blip r:embed="rId4">
-            <a:extLst>
-              <a:ext uri="{28A0092B-C50C-407E-A947-70E740481C1C}">
-                <a14:useLocalDpi xmlns:a14="http://schemas.microsoft.com/office/drawing/2010/main" val="0"/>
-              </a:ext>
-            </a:extLst>
-          </a:blip>
-          <a:srcRect/>
-          <a:stretch>
-            <a:fillRect/>
-          </a:stretch>
-        </p:blipFill>
-        <p:spPr bwMode="auto">
-          <a:xfrm>
-            <a:off x="8316741" y="4804125"/>
-            <a:ext cx="1685925" cy="314325"/>
-          </a:xfrm>
-          <a:prstGeom prst="rect">
-            <a:avLst/>
-          </a:prstGeom>
-          <a:noFill/>
-          <a:ln>
-            <a:noFill/>
-          </a:ln>
-          <a:extLst>
-            <a:ext uri="{909E8E84-426E-40DD-AFC4-6F175D3DCCD1}">
-              <a14:hiddenFill xmlns:a14="http://schemas.microsoft.com/office/drawing/2010/main">
-                <a:solidFill>
-                  <a:srgbClr val="FFFFFF"/>
-                </a:solidFill>
-              </a14:hiddenFill>
-            </a:ext>
-            <a:ext uri="{91240B29-F687-4F45-9708-019B960494DF}">
-              <a14:hiddenLine xmlns:a14="http://schemas.microsoft.com/office/drawing/2010/main" w="9525">
-                <a:solidFill>
-                  <a:srgbClr val="000000"/>
-                </a:solidFill>
-                <a:miter lim="800000"/>
-                <a:headEnd/>
-                <a:tailEnd/>
-              </a14:hiddenLine>
-            </a:ext>
-          </a:extLst>
-        </p:spPr>
-      </p:pic>
-      <p:pic>
-        <p:nvPicPr>
-          <p:cNvPr id="1030" name="Picture 6" descr="ACP_ColdFusion_MX7_Adv_Dev"/>
-          <p:cNvPicPr>
-            <a:picLocks noChangeAspect="1" noChangeArrowheads="1"/>
-          </p:cNvPicPr>
-          <p:nvPr/>
-        </p:nvPicPr>
-        <p:blipFill>
-          <a:blip r:embed="rId5">
-            <a:extLst>
-              <a:ext uri="{28A0092B-C50C-407E-A947-70E740481C1C}">
-                <a14:useLocalDpi xmlns:a14="http://schemas.microsoft.com/office/drawing/2010/main" val="0"/>
-              </a:ext>
-            </a:extLst>
-          </a:blip>
-          <a:srcRect/>
-          <a:stretch>
-            <a:fillRect/>
-          </a:stretch>
-        </p:blipFill>
-        <p:spPr bwMode="auto">
-          <a:xfrm>
-            <a:off x="8326266" y="4326177"/>
-            <a:ext cx="1666875" cy="304800"/>
-          </a:xfrm>
-          <a:prstGeom prst="rect">
-            <a:avLst/>
-          </a:prstGeom>
-          <a:noFill/>
-          <a:ln>
-            <a:noFill/>
-          </a:ln>
-          <a:extLst>
-            <a:ext uri="{909E8E84-426E-40DD-AFC4-6F175D3DCCD1}">
-              <a14:hiddenFill xmlns:a14="http://schemas.microsoft.com/office/drawing/2010/main">
-                <a:solidFill>
-                  <a:srgbClr val="FFFFFF"/>
-                </a:solidFill>
-              </a14:hiddenFill>
-            </a:ext>
-            <a:ext uri="{91240B29-F687-4F45-9708-019B960494DF}">
-              <a14:hiddenLine xmlns:a14="http://schemas.microsoft.com/office/drawing/2010/main" w="9525">
-                <a:solidFill>
-                  <a:srgbClr val="000000"/>
-                </a:solidFill>
-                <a:miter lim="800000"/>
-                <a:headEnd/>
-                <a:tailEnd/>
-              </a14:hiddenLine>
-            </a:ext>
-          </a:extLst>
-        </p:spPr>
-      </p:pic>
-    </p:spTree>
-    <p:extLst>
-      <p:ext uri="{BB962C8B-B14F-4D97-AF65-F5344CB8AC3E}">
-        <p14:creationId xmlns:p14="http://schemas.microsoft.com/office/powerpoint/2010/main" val="1266392780"/>
-      </p:ext>
-    </p:extLst>
-  </p:cSld>
-  <p:clrMapOvr>
-    <a:masterClrMapping/>
-  </p:clrMapOvr>
-  <p:timing>
-    <p:tnLst>
-      <p:par>
-        <p:cTn id="1" dur="indefinite" restart="never" nodeType="tmRoot"/>
-      </p:par>
-    </p:tnLst>
-  </p:timing>
-</p:sld>
-</file>
-
-<file path=ppt/slides/slide3.xml><?xml version="1.0" encoding="utf-8"?>
-<p:sld xmlns:a="http://schemas.openxmlformats.org/drawingml/2006/main" xmlns:r="http://schemas.openxmlformats.org/officeDocument/2006/relationships" xmlns:p="http://schemas.openxmlformats.org/presentationml/2006/main">
-  <p:cSld>
-    <p:spTree>
-      <p:nvGrpSpPr>
-        <p:cNvPr id="1" name=""/>
-        <p:cNvGrpSpPr/>
-        <p:nvPr/>
-      </p:nvGrpSpPr>
-      <p:grpSpPr>
-        <a:xfrm>
-          <a:off x="0" y="0"/>
-          <a:ext cx="0" cy="0"/>
-          <a:chOff x="0" y="0"/>
-          <a:chExt cx="0" cy="0"/>
-        </a:xfrm>
-      </p:grpSpPr>
-      <p:sp>
-        <p:nvSpPr>
-          <p:cNvPr id="2" name="Title 1"/>
-          <p:cNvSpPr>
-            <a:spLocks noGrp="1"/>
-          </p:cNvSpPr>
-          <p:nvPr>
-            <p:ph type="title"/>
-          </p:nvPr>
-        </p:nvSpPr>
         <p:spPr/>
         <p:txBody>
           <a:bodyPr/>
@@ -5046,7 +4355,7 @@
 </p:sld>
 </file>
 
-<file path=ppt/slides/slide4.xml><?xml version="1.0" encoding="utf-8"?>
+<file path=ppt/slides/slide3.xml><?xml version="1.0" encoding="utf-8"?>
 <p:sld xmlns:a="http://schemas.openxmlformats.org/drawingml/2006/main" xmlns:r="http://schemas.openxmlformats.org/officeDocument/2006/relationships" xmlns:p="http://schemas.openxmlformats.org/presentationml/2006/main">
   <p:cSld>
     <p:spTree>
@@ -5714,7 +5023,7 @@
       </p:grpSp>
       <p:grpSp>
         <p:nvGrpSpPr>
-          <p:cNvPr id="36" name="Group 35"/>
+          <p:cNvPr id="18" name="Group 17"/>
           <p:cNvGrpSpPr/>
           <p:nvPr/>
         </p:nvGrpSpPr>
@@ -5742,9 +5051,7 @@
             </a:prstGeom>
             <a:ln>
               <a:solidFill>
-                <a:schemeClr val="tx2">
-                  <a:lumMod val="10000"/>
-                </a:schemeClr>
+                <a:srgbClr val="FF0000"/>
               </a:solidFill>
               <a:tailEnd type="triangle"/>
             </a:ln>
@@ -5780,9 +5087,7 @@
             </a:prstGeom>
             <a:ln>
               <a:solidFill>
-                <a:schemeClr val="tx2">
-                  <a:lumMod val="10000"/>
-                </a:schemeClr>
+                <a:srgbClr val="FF0000"/>
               </a:solidFill>
               <a:tailEnd type="triangle"/>
             </a:ln>
@@ -6470,13 +5775,13 @@
   <p:clrMapOvr>
     <a:masterClrMapping/>
   </p:clrMapOvr>
-  <mc:AlternateContent xmlns:mc="http://schemas.openxmlformats.org/markup-compatibility/2006">
-    <mc:Choice xmlns:p14="http://schemas.microsoft.com/office/powerpoint/2010/main" Requires="p14">
+  <mc:AlternateContent xmlns:mc="http://schemas.openxmlformats.org/markup-compatibility/2006" xmlns:p14="http://schemas.microsoft.com/office/powerpoint/2010/main">
+    <mc:Choice Requires="p14">
       <p:transition spd="med" p14:dur="700">
         <p:fade/>
       </p:transition>
     </mc:Choice>
-    <mc:Fallback>
+    <mc:Fallback xmlns="">
       <p:transition spd="med">
         <p:fade/>
       </p:transition>
@@ -6933,7 +6238,7 @@
                                           </p:stCondLst>
                                         </p:cTn>
                                         <p:tgtEl>
-                                          <p:spTgt spid="36"/>
+                                          <p:spTgt spid="18"/>
                                         </p:tgtEl>
                                         <p:attrNameLst>
                                           <p:attrName>style.visibility</p:attrName>
@@ -6947,7 +6252,7 @@
                                       <p:cBhvr>
                                         <p:cTn id="44" dur="500"/>
                                         <p:tgtEl>
-                                          <p:spTgt spid="36"/>
+                                          <p:spTgt spid="18"/>
                                         </p:tgtEl>
                                       </p:cBhvr>
                                     </p:animEffect>
@@ -7462,7 +6767,7 @@
 </p:sld>
 </file>
 
-<file path=ppt/slides/slide5.xml><?xml version="1.0" encoding="utf-8"?>
+<file path=ppt/slides/slide4.xml><?xml version="1.0" encoding="utf-8"?>
 <p:sld xmlns:a="http://schemas.openxmlformats.org/drawingml/2006/main" xmlns:r="http://schemas.openxmlformats.org/officeDocument/2006/relationships" xmlns:p="http://schemas.openxmlformats.org/presentationml/2006/main">
   <p:cSld>
     <p:spTree>
@@ -8055,7 +7360,7 @@
 </p:sld>
 </file>
 
-<file path=ppt/slides/slide6.xml><?xml version="1.0" encoding="utf-8"?>
+<file path=ppt/slides/slide5.xml><?xml version="1.0" encoding="utf-8"?>
 <p:sld xmlns:a="http://schemas.openxmlformats.org/drawingml/2006/main" xmlns:r="http://schemas.openxmlformats.org/officeDocument/2006/relationships" xmlns:p="http://schemas.openxmlformats.org/presentationml/2006/main">
   <p:cSld>
     <p:spTree>
@@ -8439,7 +7744,7 @@
 </p:sld>
 </file>
 
-<file path=ppt/slides/slide7.xml><?xml version="1.0" encoding="utf-8"?>
+<file path=ppt/slides/slide6.xml><?xml version="1.0" encoding="utf-8"?>
 <p:sld xmlns:a="http://schemas.openxmlformats.org/drawingml/2006/main" xmlns:r="http://schemas.openxmlformats.org/officeDocument/2006/relationships" xmlns:p="http://schemas.openxmlformats.org/presentationml/2006/main">
   <p:cSld>
     <p:spTree>
@@ -8642,7 +7947,7 @@
 </p:sld>
 </file>
 
-<file path=ppt/slides/slide8.xml><?xml version="1.0" encoding="utf-8"?>
+<file path=ppt/slides/slide7.xml><?xml version="1.0" encoding="utf-8"?>
 <p:sld xmlns:a="http://schemas.openxmlformats.org/drawingml/2006/main" xmlns:r="http://schemas.openxmlformats.org/officeDocument/2006/relationships" xmlns:p="http://schemas.openxmlformats.org/presentationml/2006/main">
   <p:cSld>
     <p:spTree>
@@ -8881,7 +8186,6 @@
               <a:rPr lang="en-AU" dirty="0"/>
               <a:t>parent reducer will invoke each child reducer with the previous slice of state and action each time an action is dispatched.</a:t>
             </a:r>
-            <a:endParaRPr lang="en-AU" dirty="0"/>
           </a:p>
         </p:txBody>
       </p:sp>
@@ -8905,7 +8209,7 @@
 </p:sld>
 </file>
 
-<file path=ppt/slides/slide9.xml><?xml version="1.0" encoding="utf-8"?>
+<file path=ppt/slides/slide8.xml><?xml version="1.0" encoding="utf-8"?>
 <p:sld xmlns:a="http://schemas.openxmlformats.org/drawingml/2006/main" xmlns:r="http://schemas.openxmlformats.org/officeDocument/2006/relationships" xmlns:p="http://schemas.openxmlformats.org/presentationml/2006/main">
   <p:cSld>
     <p:spTree>
@@ -9066,6 +8370,463 @@
     <p:extLst>
       <p:ext uri="{BB962C8B-B14F-4D97-AF65-F5344CB8AC3E}">
         <p14:creationId xmlns:p14="http://schemas.microsoft.com/office/powerpoint/2010/main" val="3287875279"/>
+      </p:ext>
+    </p:extLst>
+  </p:cSld>
+  <p:clrMapOvr>
+    <a:masterClrMapping/>
+  </p:clrMapOvr>
+  <p:timing>
+    <p:tnLst>
+      <p:par>
+        <p:cTn id="1" dur="indefinite" restart="never" nodeType="tmRoot"/>
+      </p:par>
+    </p:tnLst>
+  </p:timing>
+</p:sld>
+</file>
+
+<file path=ppt/slides/slide9.xml><?xml version="1.0" encoding="utf-8"?>
+<p:sld xmlns:a="http://schemas.openxmlformats.org/drawingml/2006/main" xmlns:r="http://schemas.openxmlformats.org/officeDocument/2006/relationships" xmlns:p="http://schemas.openxmlformats.org/presentationml/2006/main">
+  <p:cSld>
+    <p:spTree>
+      <p:nvGrpSpPr>
+        <p:cNvPr id="1" name=""/>
+        <p:cNvGrpSpPr/>
+        <p:nvPr/>
+      </p:nvGrpSpPr>
+      <p:grpSpPr>
+        <a:xfrm>
+          <a:off x="0" y="0"/>
+          <a:ext cx="0" cy="0"/>
+          <a:chOff x="0" y="0"/>
+          <a:chExt cx="0" cy="0"/>
+        </a:xfrm>
+      </p:grpSpPr>
+      <p:sp>
+        <p:nvSpPr>
+          <p:cNvPr id="2" name="Rectangle 1"/>
+          <p:cNvSpPr/>
+          <p:nvPr/>
+        </p:nvSpPr>
+        <p:spPr>
+          <a:xfrm>
+            <a:off x="0" y="65950"/>
+            <a:ext cx="12192000" cy="650742"/>
+          </a:xfrm>
+          <a:prstGeom prst="rect">
+            <a:avLst/>
+          </a:prstGeom>
+          <a:solidFill>
+            <a:schemeClr val="tx1"/>
+          </a:solidFill>
+          <a:ln>
+            <a:noFill/>
+          </a:ln>
+        </p:spPr>
+        <p:style>
+          <a:lnRef idx="2">
+            <a:schemeClr val="accent1">
+              <a:shade val="50000"/>
+            </a:schemeClr>
+          </a:lnRef>
+          <a:fillRef idx="1">
+            <a:schemeClr val="accent1"/>
+          </a:fillRef>
+          <a:effectRef idx="0">
+            <a:schemeClr val="accent1"/>
+          </a:effectRef>
+          <a:fontRef idx="minor">
+            <a:schemeClr val="lt1"/>
+          </a:fontRef>
+        </p:style>
+        <p:txBody>
+          <a:bodyPr rtlCol="0" anchor="ctr"/>
+          <a:lstStyle/>
+          <a:p>
+            <a:pPr algn="ctr"/>
+            <a:endParaRPr lang="en-AU"/>
+          </a:p>
+        </p:txBody>
+      </p:sp>
+      <p:sp>
+        <p:nvSpPr>
+          <p:cNvPr id="3" name="TextBox 2"/>
+          <p:cNvSpPr txBox="1"/>
+          <p:nvPr/>
+        </p:nvSpPr>
+        <p:spPr>
+          <a:xfrm>
+            <a:off x="16473" y="49425"/>
+            <a:ext cx="2446641" cy="646331"/>
+          </a:xfrm>
+          <a:prstGeom prst="rect">
+            <a:avLst/>
+          </a:prstGeom>
+          <a:noFill/>
+        </p:spPr>
+        <p:txBody>
+          <a:bodyPr wrap="square" rtlCol="0">
+            <a:spAutoFit/>
+          </a:bodyPr>
+          <a:lstStyle/>
+          <a:p>
+            <a:r>
+              <a:rPr lang="en-AU" sz="3600" dirty="0" err="1">
+                <a:solidFill>
+                  <a:schemeClr val="bg2"/>
+                </a:solidFill>
+                <a:latin typeface="Calibri" panose="020F0502020204030204" pitchFamily="34" charset="0"/>
+              </a:rPr>
+              <a:t>ngrx</a:t>
+            </a:r>
+            <a:r>
+              <a:rPr lang="en-AU" sz="3600" dirty="0">
+                <a:solidFill>
+                  <a:schemeClr val="bg2"/>
+                </a:solidFill>
+                <a:latin typeface="Calibri" panose="020F0502020204030204" pitchFamily="34" charset="0"/>
+              </a:rPr>
+              <a:t>/effects</a:t>
+            </a:r>
+          </a:p>
+        </p:txBody>
+      </p:sp>
+      <p:sp>
+        <p:nvSpPr>
+          <p:cNvPr id="5" name="TextBox 4"/>
+          <p:cNvSpPr txBox="1"/>
+          <p:nvPr/>
+        </p:nvSpPr>
+        <p:spPr>
+          <a:xfrm>
+            <a:off x="2339544" y="214184"/>
+            <a:ext cx="9852456" cy="369332"/>
+          </a:xfrm>
+          <a:prstGeom prst="rect">
+            <a:avLst/>
+          </a:prstGeom>
+          <a:noFill/>
+        </p:spPr>
+        <p:txBody>
+          <a:bodyPr wrap="square" rtlCol="0">
+            <a:spAutoFit/>
+          </a:bodyPr>
+          <a:lstStyle/>
+          <a:p>
+            <a:r>
+              <a:rPr lang="en-AU" dirty="0" smtClean="0">
+                <a:solidFill>
+                  <a:schemeClr val="bg2"/>
+                </a:solidFill>
+              </a:rPr>
+              <a:t>-&gt; listens </a:t>
+            </a:r>
+            <a:r>
+              <a:rPr lang="en-AU" dirty="0">
+                <a:solidFill>
+                  <a:schemeClr val="bg2"/>
+                </a:solidFill>
+              </a:rPr>
+              <a:t>for actions being dispatched to the </a:t>
+            </a:r>
+            <a:r>
+              <a:rPr lang="en-AU" dirty="0" smtClean="0">
+                <a:solidFill>
+                  <a:schemeClr val="bg2"/>
+                </a:solidFill>
+              </a:rPr>
+              <a:t>store and can generate a new action and dispatches it.</a:t>
+            </a:r>
+            <a:endParaRPr lang="en-AU" dirty="0">
+              <a:solidFill>
+                <a:schemeClr val="bg2"/>
+              </a:solidFill>
+            </a:endParaRPr>
+          </a:p>
+        </p:txBody>
+      </p:sp>
+      <p:pic>
+        <p:nvPicPr>
+          <p:cNvPr id="6" name="Picture 5"/>
+          <p:cNvPicPr>
+            <a:picLocks noChangeAspect="1"/>
+          </p:cNvPicPr>
+          <p:nvPr/>
+        </p:nvPicPr>
+        <p:blipFill>
+          <a:blip r:embed="rId2"/>
+          <a:stretch>
+            <a:fillRect/>
+          </a:stretch>
+        </p:blipFill>
+        <p:spPr>
+          <a:xfrm>
+            <a:off x="199767" y="864926"/>
+            <a:ext cx="7162800" cy="5650125"/>
+          </a:xfrm>
+          <a:prstGeom prst="rect">
+            <a:avLst/>
+          </a:prstGeom>
+        </p:spPr>
+      </p:pic>
+      <p:sp>
+        <p:nvSpPr>
+          <p:cNvPr id="7" name="TextBox 6"/>
+          <p:cNvSpPr txBox="1"/>
+          <p:nvPr/>
+        </p:nvSpPr>
+        <p:spPr>
+          <a:xfrm>
+            <a:off x="7545858" y="1235676"/>
+            <a:ext cx="4456671" cy="923330"/>
+          </a:xfrm>
+          <a:prstGeom prst="rect">
+            <a:avLst/>
+          </a:prstGeom>
+          <a:noFill/>
+        </p:spPr>
+        <p:txBody>
+          <a:bodyPr wrap="square" rtlCol="0">
+            <a:spAutoFit/>
+          </a:bodyPr>
+          <a:lstStyle/>
+          <a:p>
+            <a:r>
+              <a:rPr lang="en-AU" dirty="0" smtClean="0"/>
+              <a:t>We subscribe to ‘</a:t>
+            </a:r>
+            <a:r>
+              <a:rPr lang="en-AU" dirty="0" err="1" smtClean="0"/>
+              <a:t>this.actions</a:t>
+            </a:r>
+            <a:r>
+              <a:rPr lang="en-AU" dirty="0" smtClean="0"/>
+              <a:t>$’ Observable and listen to actions </a:t>
+            </a:r>
+            <a:r>
+              <a:rPr lang="en-AU" dirty="0" err="1" smtClean="0"/>
+              <a:t>ofType</a:t>
+            </a:r>
+            <a:r>
+              <a:rPr lang="en-AU" dirty="0" smtClean="0"/>
+              <a:t> ‘GET_BOOKS’ or ‘GET_CARS’.</a:t>
+            </a:r>
+            <a:endParaRPr lang="en-AU" dirty="0"/>
+          </a:p>
+        </p:txBody>
+      </p:sp>
+      <p:grpSp>
+        <p:nvGrpSpPr>
+          <p:cNvPr id="12" name="Group 11"/>
+          <p:cNvGrpSpPr/>
+          <p:nvPr/>
+        </p:nvGrpSpPr>
+        <p:grpSpPr>
+          <a:xfrm>
+            <a:off x="3896497" y="1697341"/>
+            <a:ext cx="3649361" cy="2471005"/>
+            <a:chOff x="3896497" y="1697341"/>
+            <a:chExt cx="3649361" cy="2471005"/>
+          </a:xfrm>
+        </p:grpSpPr>
+        <p:cxnSp>
+          <p:nvCxnSpPr>
+            <p:cNvPr id="9" name="Straight Arrow Connector 8"/>
+            <p:cNvCxnSpPr>
+              <a:stCxn id="7" idx="1"/>
+            </p:cNvCxnSpPr>
+            <p:nvPr/>
+          </p:nvCxnSpPr>
+          <p:spPr>
+            <a:xfrm flipH="1">
+              <a:off x="4020065" y="1697341"/>
+              <a:ext cx="3525793" cy="1054097"/>
+            </a:xfrm>
+            <a:prstGeom prst="straightConnector1">
+              <a:avLst/>
+            </a:prstGeom>
+            <a:ln>
+              <a:solidFill>
+                <a:srgbClr val="FF0000"/>
+              </a:solidFill>
+              <a:tailEnd type="triangle"/>
+            </a:ln>
+          </p:spPr>
+          <p:style>
+            <a:lnRef idx="1">
+              <a:schemeClr val="accent1"/>
+            </a:lnRef>
+            <a:fillRef idx="0">
+              <a:schemeClr val="accent1"/>
+            </a:fillRef>
+            <a:effectRef idx="0">
+              <a:schemeClr val="accent1"/>
+            </a:effectRef>
+            <a:fontRef idx="minor">
+              <a:schemeClr val="tx1"/>
+            </a:fontRef>
+          </p:style>
+        </p:cxnSp>
+        <p:cxnSp>
+          <p:nvCxnSpPr>
+            <p:cNvPr id="11" name="Straight Arrow Connector 10"/>
+            <p:cNvCxnSpPr>
+              <a:stCxn id="7" idx="1"/>
+            </p:cNvCxnSpPr>
+            <p:nvPr/>
+          </p:nvCxnSpPr>
+          <p:spPr>
+            <a:xfrm flipH="1">
+              <a:off x="3896497" y="1697341"/>
+              <a:ext cx="3649361" cy="2471005"/>
+            </a:xfrm>
+            <a:prstGeom prst="straightConnector1">
+              <a:avLst/>
+            </a:prstGeom>
+            <a:ln>
+              <a:solidFill>
+                <a:srgbClr val="FF0000"/>
+              </a:solidFill>
+              <a:tailEnd type="triangle"/>
+            </a:ln>
+          </p:spPr>
+          <p:style>
+            <a:lnRef idx="1">
+              <a:schemeClr val="accent1"/>
+            </a:lnRef>
+            <a:fillRef idx="0">
+              <a:schemeClr val="accent1"/>
+            </a:fillRef>
+            <a:effectRef idx="0">
+              <a:schemeClr val="accent1"/>
+            </a:effectRef>
+            <a:fontRef idx="minor">
+              <a:schemeClr val="tx1"/>
+            </a:fontRef>
+          </p:style>
+        </p:cxnSp>
+      </p:grpSp>
+      <p:sp>
+        <p:nvSpPr>
+          <p:cNvPr id="13" name="TextBox 12"/>
+          <p:cNvSpPr txBox="1"/>
+          <p:nvPr/>
+        </p:nvSpPr>
+        <p:spPr>
+          <a:xfrm>
+            <a:off x="7486135" y="2677990"/>
+            <a:ext cx="4646142" cy="2585323"/>
+          </a:xfrm>
+          <a:prstGeom prst="rect">
+            <a:avLst/>
+          </a:prstGeom>
+          <a:noFill/>
+        </p:spPr>
+        <p:txBody>
+          <a:bodyPr wrap="square" rtlCol="0">
+            <a:spAutoFit/>
+          </a:bodyPr>
+          <a:lstStyle/>
+          <a:p>
+            <a:pPr marL="285750" indent="-285750">
+              <a:buClr>
+                <a:srgbClr val="FF0000"/>
+              </a:buClr>
+              <a:buFont typeface="Wingdings" panose="05000000000000000000" pitchFamily="2" charset="2"/>
+              <a:buChar char="v"/>
+            </a:pPr>
+            <a:r>
+              <a:rPr lang="en-AU" dirty="0"/>
+              <a:t>Then we call </a:t>
+            </a:r>
+            <a:r>
+              <a:rPr lang="en-AU" dirty="0" err="1"/>
+              <a:t>switchMap</a:t>
+            </a:r>
+            <a:r>
+              <a:rPr lang="en-AU" dirty="0"/>
+              <a:t> on that as we’re going to get a whole new observable from the </a:t>
+            </a:r>
+            <a:r>
+              <a:rPr lang="en-AU" dirty="0" smtClean="0"/>
+              <a:t>service.</a:t>
+            </a:r>
+          </a:p>
+          <a:p>
+            <a:pPr marL="285750" indent="-285750">
+              <a:buClr>
+                <a:srgbClr val="FF0000"/>
+              </a:buClr>
+              <a:buFont typeface="Wingdings" panose="05000000000000000000" pitchFamily="2" charset="2"/>
+              <a:buChar char="v"/>
+            </a:pPr>
+            <a:r>
+              <a:rPr lang="en-AU" dirty="0" smtClean="0"/>
+              <a:t>The </a:t>
+            </a:r>
+            <a:r>
+              <a:rPr lang="en-AU" dirty="0"/>
+              <a:t>subsequent map call then operates on a list of books/cars from the service. </a:t>
+            </a:r>
+            <a:endParaRPr lang="en-AU" dirty="0" smtClean="0"/>
+          </a:p>
+          <a:p>
+            <a:pPr marL="285750" indent="-285750">
+              <a:buClr>
+                <a:srgbClr val="FF0000"/>
+              </a:buClr>
+              <a:buFont typeface="Wingdings" panose="05000000000000000000" pitchFamily="2" charset="2"/>
+              <a:buChar char="v"/>
+            </a:pPr>
+            <a:r>
+              <a:rPr lang="en-AU" dirty="0" smtClean="0"/>
+              <a:t>We </a:t>
+            </a:r>
+            <a:r>
+              <a:rPr lang="en-AU" dirty="0"/>
+              <a:t>pass that </a:t>
+            </a:r>
+            <a:r>
+              <a:rPr lang="en-AU" dirty="0" smtClean="0"/>
+              <a:t>response list </a:t>
+            </a:r>
+            <a:r>
+              <a:rPr lang="en-AU" dirty="0"/>
+              <a:t>to </a:t>
+            </a:r>
+            <a:r>
+              <a:rPr lang="en-AU" dirty="0" smtClean="0"/>
+              <a:t>respective success action. </a:t>
+            </a:r>
+          </a:p>
+          <a:p>
+            <a:pPr marL="285750" indent="-285750">
+              <a:buClr>
+                <a:srgbClr val="FF0000"/>
+              </a:buClr>
+              <a:buFont typeface="Wingdings" panose="05000000000000000000" pitchFamily="2" charset="2"/>
+              <a:buChar char="v"/>
+            </a:pPr>
+            <a:r>
+              <a:rPr lang="en-AU" dirty="0" err="1" smtClean="0"/>
+              <a:t>Ngrx</a:t>
+            </a:r>
+            <a:r>
+              <a:rPr lang="en-AU" dirty="0" smtClean="0"/>
+              <a:t>/effects </a:t>
+            </a:r>
+            <a:r>
+              <a:rPr lang="en-AU" dirty="0"/>
+              <a:t>then will take care of dispatching this new action to the store.</a:t>
+            </a:r>
+          </a:p>
+        </p:txBody>
+      </p:sp>
+    </p:spTree>
+    <p:extLst>
+      <p:ext uri="{BB962C8B-B14F-4D97-AF65-F5344CB8AC3E}">
+        <p14:creationId xmlns:p14="http://schemas.microsoft.com/office/powerpoint/2010/main" val="4257121483"/>
       </p:ext>
     </p:extLst>
   </p:cSld>

--- a/example-angular2-ngrx/Introduction to Ngrx.pptx
+++ b/example-angular2-ngrx/Introduction to Ngrx.pptx
@@ -6,18 +6,20 @@
   </p:sldMasterIdLst>
   <p:sldIdLst>
     <p:sldId id="256" r:id="rId3"/>
-    <p:sldId id="258" r:id="rId4"/>
-    <p:sldId id="259" r:id="rId5"/>
-    <p:sldId id="260" r:id="rId6"/>
-    <p:sldId id="261" r:id="rId7"/>
-    <p:sldId id="262" r:id="rId8"/>
-    <p:sldId id="264" r:id="rId9"/>
-    <p:sldId id="266" r:id="rId10"/>
-    <p:sldId id="265" r:id="rId11"/>
-    <p:sldId id="267" r:id="rId12"/>
-    <p:sldId id="268" r:id="rId13"/>
-    <p:sldId id="269" r:id="rId14"/>
-    <p:sldId id="263" r:id="rId15"/>
+    <p:sldId id="270" r:id="rId4"/>
+    <p:sldId id="271" r:id="rId5"/>
+    <p:sldId id="258" r:id="rId6"/>
+    <p:sldId id="259" r:id="rId7"/>
+    <p:sldId id="260" r:id="rId8"/>
+    <p:sldId id="261" r:id="rId9"/>
+    <p:sldId id="262" r:id="rId10"/>
+    <p:sldId id="264" r:id="rId11"/>
+    <p:sldId id="266" r:id="rId12"/>
+    <p:sldId id="265" r:id="rId13"/>
+    <p:sldId id="267" r:id="rId14"/>
+    <p:sldId id="268" r:id="rId15"/>
+    <p:sldId id="263" r:id="rId16"/>
+    <p:sldId id="272" r:id="rId17"/>
   </p:sldIdLst>
   <p:sldSz cx="12192000" cy="6858000"/>
   <p:notesSz cx="6858000" cy="9144000"/>
@@ -3343,8 +3345,8 @@
         </p:nvSpPr>
         <p:spPr>
           <a:xfrm>
-            <a:off x="947351" y="4391666"/>
-            <a:ext cx="11038703" cy="2009134"/>
+            <a:off x="0" y="4744994"/>
+            <a:ext cx="12191999" cy="1639329"/>
           </a:xfrm>
         </p:spPr>
         <p:txBody>
@@ -3354,26 +3356,34 @@
           <a:lstStyle/>
           <a:p>
             <a:r>
+              <a:rPr lang="en-AU" sz="3600" b="1" dirty="0" smtClean="0"/>
+              <a:t>Timmy </a:t>
+            </a:r>
+            <a:r>
+              <a:rPr lang="en-AU" sz="3600" b="1" dirty="0" smtClean="0"/>
+              <a:t>Tom</a:t>
+            </a:r>
+            <a:br>
+              <a:rPr lang="en-AU" sz="3600" b="1" dirty="0" smtClean="0"/>
+            </a:br>
+            <a:r>
               <a:rPr lang="en-AU" sz="3600" dirty="0" smtClean="0"/>
-              <a:t>Timmy K Tom</a:t>
+              <a:t/>
             </a:r>
             <a:br>
               <a:rPr lang="en-AU" sz="3600" dirty="0" smtClean="0"/>
             </a:br>
             <a:r>
               <a:rPr lang="en-AU" sz="3600" dirty="0" smtClean="0"/>
-              <a:t>Tata Consultancy </a:t>
+              <a:t>Tata </a:t>
+            </a:r>
+            <a:r>
+              <a:rPr lang="en-AU" sz="3600" dirty="0" smtClean="0"/>
+              <a:t>Consultancy </a:t>
             </a:r>
             <a:r>
               <a:rPr lang="en-AU" sz="3600" dirty="0" smtClean="0"/>
               <a:t>Services</a:t>
-            </a:r>
-            <a:br>
-              <a:rPr lang="en-AU" sz="3600" dirty="0" smtClean="0"/>
-            </a:br>
-            <a:r>
-              <a:rPr lang="en-AU" sz="2800" dirty="0" smtClean="0"/>
-              <a:t>DESS</a:t>
             </a:r>
             <a:endParaRPr lang="en-AU" sz="2800" dirty="0"/>
           </a:p>
@@ -3395,7 +3405,7 @@
         </p:blipFill>
         <p:spPr>
           <a:xfrm>
-            <a:off x="213412" y="2075825"/>
+            <a:off x="213412" y="2117015"/>
             <a:ext cx="1656577" cy="1647755"/>
           </a:xfrm>
           <a:prstGeom prst="rect">
@@ -3533,6 +3543,640 @@
           <a:lstStyle/>
           <a:p>
             <a:r>
+              <a:rPr lang="en-AU" sz="3600" dirty="0" smtClean="0">
+                <a:solidFill>
+                  <a:schemeClr val="bg2"/>
+                </a:solidFill>
+                <a:latin typeface="Calibri" panose="020F0502020204030204" pitchFamily="34" charset="0"/>
+              </a:rPr>
+              <a:t>Service Class to communicate with server</a:t>
+            </a:r>
+            <a:endParaRPr lang="en-AU" sz="3600" dirty="0">
+              <a:solidFill>
+                <a:schemeClr val="bg2"/>
+              </a:solidFill>
+              <a:latin typeface="Calibri" panose="020F0502020204030204" pitchFamily="34" charset="0"/>
+            </a:endParaRPr>
+          </a:p>
+        </p:txBody>
+      </p:sp>
+      <p:pic>
+        <p:nvPicPr>
+          <p:cNvPr id="4" name="Picture 3"/>
+          <p:cNvPicPr>
+            <a:picLocks noChangeAspect="1"/>
+          </p:cNvPicPr>
+          <p:nvPr/>
+        </p:nvPicPr>
+        <p:blipFill>
+          <a:blip r:embed="rId2"/>
+          <a:stretch>
+            <a:fillRect/>
+          </a:stretch>
+        </p:blipFill>
+        <p:spPr>
+          <a:xfrm>
+            <a:off x="275710" y="901529"/>
+            <a:ext cx="7258050" cy="4610100"/>
+          </a:xfrm>
+          <a:prstGeom prst="rect">
+            <a:avLst/>
+          </a:prstGeom>
+        </p:spPr>
+      </p:pic>
+      <p:sp>
+        <p:nvSpPr>
+          <p:cNvPr id="5" name="TextBox 4"/>
+          <p:cNvSpPr txBox="1"/>
+          <p:nvPr/>
+        </p:nvSpPr>
+        <p:spPr>
+          <a:xfrm>
+            <a:off x="7809469" y="1787610"/>
+            <a:ext cx="3929449" cy="646331"/>
+          </a:xfrm>
+          <a:prstGeom prst="rect">
+            <a:avLst/>
+          </a:prstGeom>
+          <a:noFill/>
+        </p:spPr>
+        <p:txBody>
+          <a:bodyPr wrap="square" rtlCol="0">
+            <a:spAutoFit/>
+          </a:bodyPr>
+          <a:lstStyle/>
+          <a:p>
+            <a:r>
+              <a:rPr lang="en-AU" dirty="0" smtClean="0"/>
+              <a:t>Simple Typescript class and its public function return type is of Observable.</a:t>
+            </a:r>
+            <a:endParaRPr lang="en-AU" dirty="0"/>
+          </a:p>
+        </p:txBody>
+      </p:sp>
+    </p:spTree>
+    <p:extLst>
+      <p:ext uri="{BB962C8B-B14F-4D97-AF65-F5344CB8AC3E}">
+        <p14:creationId xmlns:p14="http://schemas.microsoft.com/office/powerpoint/2010/main" val="3287875279"/>
+      </p:ext>
+    </p:extLst>
+  </p:cSld>
+  <p:clrMapOvr>
+    <a:masterClrMapping/>
+  </p:clrMapOvr>
+  <p:timing>
+    <p:tnLst>
+      <p:par>
+        <p:cTn id="1" dur="indefinite" restart="never" nodeType="tmRoot"/>
+      </p:par>
+    </p:tnLst>
+  </p:timing>
+</p:sld>
+</file>
+
+<file path=ppt/slides/slide11.xml><?xml version="1.0" encoding="utf-8"?>
+<p:sld xmlns:a="http://schemas.openxmlformats.org/drawingml/2006/main" xmlns:r="http://schemas.openxmlformats.org/officeDocument/2006/relationships" xmlns:p="http://schemas.openxmlformats.org/presentationml/2006/main">
+  <p:cSld>
+    <p:spTree>
+      <p:nvGrpSpPr>
+        <p:cNvPr id="1" name=""/>
+        <p:cNvGrpSpPr/>
+        <p:nvPr/>
+      </p:nvGrpSpPr>
+      <p:grpSpPr>
+        <a:xfrm>
+          <a:off x="0" y="0"/>
+          <a:ext cx="0" cy="0"/>
+          <a:chOff x="0" y="0"/>
+          <a:chExt cx="0" cy="0"/>
+        </a:xfrm>
+      </p:grpSpPr>
+      <p:sp>
+        <p:nvSpPr>
+          <p:cNvPr id="2" name="Rectangle 1"/>
+          <p:cNvSpPr/>
+          <p:nvPr/>
+        </p:nvSpPr>
+        <p:spPr>
+          <a:xfrm>
+            <a:off x="0" y="65950"/>
+            <a:ext cx="12192000" cy="650742"/>
+          </a:xfrm>
+          <a:prstGeom prst="rect">
+            <a:avLst/>
+          </a:prstGeom>
+          <a:solidFill>
+            <a:schemeClr val="tx1"/>
+          </a:solidFill>
+          <a:ln>
+            <a:noFill/>
+          </a:ln>
+        </p:spPr>
+        <p:style>
+          <a:lnRef idx="2">
+            <a:schemeClr val="accent1">
+              <a:shade val="50000"/>
+            </a:schemeClr>
+          </a:lnRef>
+          <a:fillRef idx="1">
+            <a:schemeClr val="accent1"/>
+          </a:fillRef>
+          <a:effectRef idx="0">
+            <a:schemeClr val="accent1"/>
+          </a:effectRef>
+          <a:fontRef idx="minor">
+            <a:schemeClr val="lt1"/>
+          </a:fontRef>
+        </p:style>
+        <p:txBody>
+          <a:bodyPr rtlCol="0" anchor="ctr"/>
+          <a:lstStyle/>
+          <a:p>
+            <a:pPr algn="ctr"/>
+            <a:endParaRPr lang="en-AU"/>
+          </a:p>
+        </p:txBody>
+      </p:sp>
+      <p:sp>
+        <p:nvSpPr>
+          <p:cNvPr id="3" name="TextBox 2"/>
+          <p:cNvSpPr txBox="1"/>
+          <p:nvPr/>
+        </p:nvSpPr>
+        <p:spPr>
+          <a:xfrm>
+            <a:off x="16473" y="49425"/>
+            <a:ext cx="2446641" cy="646331"/>
+          </a:xfrm>
+          <a:prstGeom prst="rect">
+            <a:avLst/>
+          </a:prstGeom>
+          <a:noFill/>
+        </p:spPr>
+        <p:txBody>
+          <a:bodyPr wrap="square" rtlCol="0">
+            <a:spAutoFit/>
+          </a:bodyPr>
+          <a:lstStyle/>
+          <a:p>
+            <a:r>
+              <a:rPr lang="en-AU" sz="3600" dirty="0" err="1">
+                <a:solidFill>
+                  <a:schemeClr val="bg2"/>
+                </a:solidFill>
+                <a:latin typeface="Calibri" panose="020F0502020204030204" pitchFamily="34" charset="0"/>
+              </a:rPr>
+              <a:t>ngrx</a:t>
+            </a:r>
+            <a:r>
+              <a:rPr lang="en-AU" sz="3600" dirty="0">
+                <a:solidFill>
+                  <a:schemeClr val="bg2"/>
+                </a:solidFill>
+                <a:latin typeface="Calibri" panose="020F0502020204030204" pitchFamily="34" charset="0"/>
+              </a:rPr>
+              <a:t>/effects</a:t>
+            </a:r>
+          </a:p>
+        </p:txBody>
+      </p:sp>
+      <p:sp>
+        <p:nvSpPr>
+          <p:cNvPr id="5" name="TextBox 4"/>
+          <p:cNvSpPr txBox="1"/>
+          <p:nvPr/>
+        </p:nvSpPr>
+        <p:spPr>
+          <a:xfrm>
+            <a:off x="2339544" y="214184"/>
+            <a:ext cx="9852456" cy="369332"/>
+          </a:xfrm>
+          <a:prstGeom prst="rect">
+            <a:avLst/>
+          </a:prstGeom>
+          <a:noFill/>
+        </p:spPr>
+        <p:txBody>
+          <a:bodyPr wrap="square" rtlCol="0">
+            <a:spAutoFit/>
+          </a:bodyPr>
+          <a:lstStyle/>
+          <a:p>
+            <a:r>
+              <a:rPr lang="en-AU" dirty="0" smtClean="0">
+                <a:solidFill>
+                  <a:schemeClr val="bg2"/>
+                </a:solidFill>
+              </a:rPr>
+              <a:t>-&gt; listens </a:t>
+            </a:r>
+            <a:r>
+              <a:rPr lang="en-AU" dirty="0">
+                <a:solidFill>
+                  <a:schemeClr val="bg2"/>
+                </a:solidFill>
+              </a:rPr>
+              <a:t>for actions being dispatched to the </a:t>
+            </a:r>
+            <a:r>
+              <a:rPr lang="en-AU" dirty="0" smtClean="0">
+                <a:solidFill>
+                  <a:schemeClr val="bg2"/>
+                </a:solidFill>
+              </a:rPr>
+              <a:t>store and can generate a new action and dispatches it.</a:t>
+            </a:r>
+            <a:endParaRPr lang="en-AU" dirty="0">
+              <a:solidFill>
+                <a:schemeClr val="bg2"/>
+              </a:solidFill>
+            </a:endParaRPr>
+          </a:p>
+        </p:txBody>
+      </p:sp>
+      <p:pic>
+        <p:nvPicPr>
+          <p:cNvPr id="6" name="Picture 5"/>
+          <p:cNvPicPr>
+            <a:picLocks noChangeAspect="1"/>
+          </p:cNvPicPr>
+          <p:nvPr/>
+        </p:nvPicPr>
+        <p:blipFill>
+          <a:blip r:embed="rId2"/>
+          <a:stretch>
+            <a:fillRect/>
+          </a:stretch>
+        </p:blipFill>
+        <p:spPr>
+          <a:xfrm>
+            <a:off x="199767" y="864926"/>
+            <a:ext cx="7162800" cy="5650125"/>
+          </a:xfrm>
+          <a:prstGeom prst="rect">
+            <a:avLst/>
+          </a:prstGeom>
+        </p:spPr>
+      </p:pic>
+      <p:sp>
+        <p:nvSpPr>
+          <p:cNvPr id="7" name="TextBox 6"/>
+          <p:cNvSpPr txBox="1"/>
+          <p:nvPr/>
+        </p:nvSpPr>
+        <p:spPr>
+          <a:xfrm>
+            <a:off x="7545858" y="1235676"/>
+            <a:ext cx="4456671" cy="923330"/>
+          </a:xfrm>
+          <a:prstGeom prst="rect">
+            <a:avLst/>
+          </a:prstGeom>
+          <a:noFill/>
+        </p:spPr>
+        <p:txBody>
+          <a:bodyPr wrap="square" rtlCol="0">
+            <a:spAutoFit/>
+          </a:bodyPr>
+          <a:lstStyle/>
+          <a:p>
+            <a:r>
+              <a:rPr lang="en-AU" dirty="0" smtClean="0"/>
+              <a:t>We subscribe to ‘</a:t>
+            </a:r>
+            <a:r>
+              <a:rPr lang="en-AU" dirty="0" err="1" smtClean="0"/>
+              <a:t>this.actions</a:t>
+            </a:r>
+            <a:r>
+              <a:rPr lang="en-AU" dirty="0" smtClean="0"/>
+              <a:t>$’ Observable and listen to actions </a:t>
+            </a:r>
+            <a:r>
+              <a:rPr lang="en-AU" dirty="0" err="1" smtClean="0"/>
+              <a:t>ofType</a:t>
+            </a:r>
+            <a:r>
+              <a:rPr lang="en-AU" dirty="0" smtClean="0"/>
+              <a:t> ‘GET_BOOKS’ or ‘GET_CARS’.</a:t>
+            </a:r>
+            <a:endParaRPr lang="en-AU" dirty="0"/>
+          </a:p>
+        </p:txBody>
+      </p:sp>
+      <p:grpSp>
+        <p:nvGrpSpPr>
+          <p:cNvPr id="12" name="Group 11"/>
+          <p:cNvGrpSpPr/>
+          <p:nvPr/>
+        </p:nvGrpSpPr>
+        <p:grpSpPr>
+          <a:xfrm>
+            <a:off x="3896497" y="1697341"/>
+            <a:ext cx="3649361" cy="2471005"/>
+            <a:chOff x="3896497" y="1697341"/>
+            <a:chExt cx="3649361" cy="2471005"/>
+          </a:xfrm>
+        </p:grpSpPr>
+        <p:cxnSp>
+          <p:nvCxnSpPr>
+            <p:cNvPr id="9" name="Straight Arrow Connector 8"/>
+            <p:cNvCxnSpPr>
+              <a:stCxn id="7" idx="1"/>
+            </p:cNvCxnSpPr>
+            <p:nvPr/>
+          </p:nvCxnSpPr>
+          <p:spPr>
+            <a:xfrm flipH="1">
+              <a:off x="4020065" y="1697341"/>
+              <a:ext cx="3525793" cy="1054097"/>
+            </a:xfrm>
+            <a:prstGeom prst="straightConnector1">
+              <a:avLst/>
+            </a:prstGeom>
+            <a:ln>
+              <a:solidFill>
+                <a:srgbClr val="FF0000"/>
+              </a:solidFill>
+              <a:tailEnd type="triangle"/>
+            </a:ln>
+          </p:spPr>
+          <p:style>
+            <a:lnRef idx="1">
+              <a:schemeClr val="accent1"/>
+            </a:lnRef>
+            <a:fillRef idx="0">
+              <a:schemeClr val="accent1"/>
+            </a:fillRef>
+            <a:effectRef idx="0">
+              <a:schemeClr val="accent1"/>
+            </a:effectRef>
+            <a:fontRef idx="minor">
+              <a:schemeClr val="tx1"/>
+            </a:fontRef>
+          </p:style>
+        </p:cxnSp>
+        <p:cxnSp>
+          <p:nvCxnSpPr>
+            <p:cNvPr id="11" name="Straight Arrow Connector 10"/>
+            <p:cNvCxnSpPr>
+              <a:stCxn id="7" idx="1"/>
+            </p:cNvCxnSpPr>
+            <p:nvPr/>
+          </p:nvCxnSpPr>
+          <p:spPr>
+            <a:xfrm flipH="1">
+              <a:off x="3896497" y="1697341"/>
+              <a:ext cx="3649361" cy="2471005"/>
+            </a:xfrm>
+            <a:prstGeom prst="straightConnector1">
+              <a:avLst/>
+            </a:prstGeom>
+            <a:ln>
+              <a:solidFill>
+                <a:srgbClr val="FF0000"/>
+              </a:solidFill>
+              <a:tailEnd type="triangle"/>
+            </a:ln>
+          </p:spPr>
+          <p:style>
+            <a:lnRef idx="1">
+              <a:schemeClr val="accent1"/>
+            </a:lnRef>
+            <a:fillRef idx="0">
+              <a:schemeClr val="accent1"/>
+            </a:fillRef>
+            <a:effectRef idx="0">
+              <a:schemeClr val="accent1"/>
+            </a:effectRef>
+            <a:fontRef idx="minor">
+              <a:schemeClr val="tx1"/>
+            </a:fontRef>
+          </p:style>
+        </p:cxnSp>
+      </p:grpSp>
+      <p:sp>
+        <p:nvSpPr>
+          <p:cNvPr id="13" name="TextBox 12"/>
+          <p:cNvSpPr txBox="1"/>
+          <p:nvPr/>
+        </p:nvSpPr>
+        <p:spPr>
+          <a:xfrm>
+            <a:off x="7486135" y="2677990"/>
+            <a:ext cx="4646142" cy="2585323"/>
+          </a:xfrm>
+          <a:prstGeom prst="rect">
+            <a:avLst/>
+          </a:prstGeom>
+          <a:noFill/>
+        </p:spPr>
+        <p:txBody>
+          <a:bodyPr wrap="square" rtlCol="0">
+            <a:spAutoFit/>
+          </a:bodyPr>
+          <a:lstStyle/>
+          <a:p>
+            <a:pPr marL="285750" indent="-285750">
+              <a:buClr>
+                <a:srgbClr val="FF0000"/>
+              </a:buClr>
+              <a:buFont typeface="Wingdings" panose="05000000000000000000" pitchFamily="2" charset="2"/>
+              <a:buChar char="v"/>
+            </a:pPr>
+            <a:r>
+              <a:rPr lang="en-AU" dirty="0"/>
+              <a:t>Then we call </a:t>
+            </a:r>
+            <a:r>
+              <a:rPr lang="en-AU" dirty="0" err="1"/>
+              <a:t>switchMap</a:t>
+            </a:r>
+            <a:r>
+              <a:rPr lang="en-AU" dirty="0"/>
+              <a:t> on that as we’re going to get a whole new observable from the </a:t>
+            </a:r>
+            <a:r>
+              <a:rPr lang="en-AU" dirty="0" smtClean="0"/>
+              <a:t>service.</a:t>
+            </a:r>
+          </a:p>
+          <a:p>
+            <a:pPr marL="285750" indent="-285750">
+              <a:buClr>
+                <a:srgbClr val="FF0000"/>
+              </a:buClr>
+              <a:buFont typeface="Wingdings" panose="05000000000000000000" pitchFamily="2" charset="2"/>
+              <a:buChar char="v"/>
+            </a:pPr>
+            <a:r>
+              <a:rPr lang="en-AU" dirty="0" smtClean="0"/>
+              <a:t>The </a:t>
+            </a:r>
+            <a:r>
+              <a:rPr lang="en-AU" dirty="0"/>
+              <a:t>subsequent map call then operates on a list of books/cars from the service. </a:t>
+            </a:r>
+            <a:endParaRPr lang="en-AU" dirty="0" smtClean="0"/>
+          </a:p>
+          <a:p>
+            <a:pPr marL="285750" indent="-285750">
+              <a:buClr>
+                <a:srgbClr val="FF0000"/>
+              </a:buClr>
+              <a:buFont typeface="Wingdings" panose="05000000000000000000" pitchFamily="2" charset="2"/>
+              <a:buChar char="v"/>
+            </a:pPr>
+            <a:r>
+              <a:rPr lang="en-AU" dirty="0" smtClean="0"/>
+              <a:t>We </a:t>
+            </a:r>
+            <a:r>
+              <a:rPr lang="en-AU" dirty="0"/>
+              <a:t>pass that </a:t>
+            </a:r>
+            <a:r>
+              <a:rPr lang="en-AU" dirty="0" smtClean="0"/>
+              <a:t>response list </a:t>
+            </a:r>
+            <a:r>
+              <a:rPr lang="en-AU" dirty="0"/>
+              <a:t>to </a:t>
+            </a:r>
+            <a:r>
+              <a:rPr lang="en-AU" dirty="0" smtClean="0"/>
+              <a:t>respective success action. </a:t>
+            </a:r>
+          </a:p>
+          <a:p>
+            <a:pPr marL="285750" indent="-285750">
+              <a:buClr>
+                <a:srgbClr val="FF0000"/>
+              </a:buClr>
+              <a:buFont typeface="Wingdings" panose="05000000000000000000" pitchFamily="2" charset="2"/>
+              <a:buChar char="v"/>
+            </a:pPr>
+            <a:r>
+              <a:rPr lang="en-AU" dirty="0" err="1" smtClean="0"/>
+              <a:t>Ngrx</a:t>
+            </a:r>
+            <a:r>
+              <a:rPr lang="en-AU" dirty="0" smtClean="0"/>
+              <a:t>/effects </a:t>
+            </a:r>
+            <a:r>
+              <a:rPr lang="en-AU" dirty="0"/>
+              <a:t>then will take care of dispatching this new action to the store.</a:t>
+            </a:r>
+          </a:p>
+        </p:txBody>
+      </p:sp>
+    </p:spTree>
+    <p:extLst>
+      <p:ext uri="{BB962C8B-B14F-4D97-AF65-F5344CB8AC3E}">
+        <p14:creationId xmlns:p14="http://schemas.microsoft.com/office/powerpoint/2010/main" val="4257121483"/>
+      </p:ext>
+    </p:extLst>
+  </p:cSld>
+  <p:clrMapOvr>
+    <a:masterClrMapping/>
+  </p:clrMapOvr>
+  <p:timing>
+    <p:tnLst>
+      <p:par>
+        <p:cTn id="1" dur="indefinite" restart="never" nodeType="tmRoot"/>
+      </p:par>
+    </p:tnLst>
+  </p:timing>
+</p:sld>
+</file>
+
+<file path=ppt/slides/slide12.xml><?xml version="1.0" encoding="utf-8"?>
+<p:sld xmlns:a="http://schemas.openxmlformats.org/drawingml/2006/main" xmlns:r="http://schemas.openxmlformats.org/officeDocument/2006/relationships" xmlns:p="http://schemas.openxmlformats.org/presentationml/2006/main">
+  <p:cSld>
+    <p:spTree>
+      <p:nvGrpSpPr>
+        <p:cNvPr id="1" name=""/>
+        <p:cNvGrpSpPr/>
+        <p:nvPr/>
+      </p:nvGrpSpPr>
+      <p:grpSpPr>
+        <a:xfrm>
+          <a:off x="0" y="0"/>
+          <a:ext cx="0" cy="0"/>
+          <a:chOff x="0" y="0"/>
+          <a:chExt cx="0" cy="0"/>
+        </a:xfrm>
+      </p:grpSpPr>
+      <p:sp>
+        <p:nvSpPr>
+          <p:cNvPr id="2" name="Rectangle 1"/>
+          <p:cNvSpPr/>
+          <p:nvPr/>
+        </p:nvSpPr>
+        <p:spPr>
+          <a:xfrm>
+            <a:off x="0" y="65950"/>
+            <a:ext cx="12192000" cy="650742"/>
+          </a:xfrm>
+          <a:prstGeom prst="rect">
+            <a:avLst/>
+          </a:prstGeom>
+          <a:solidFill>
+            <a:schemeClr val="tx1"/>
+          </a:solidFill>
+          <a:ln>
+            <a:noFill/>
+          </a:ln>
+        </p:spPr>
+        <p:style>
+          <a:lnRef idx="2">
+            <a:schemeClr val="accent1">
+              <a:shade val="50000"/>
+            </a:schemeClr>
+          </a:lnRef>
+          <a:fillRef idx="1">
+            <a:schemeClr val="accent1"/>
+          </a:fillRef>
+          <a:effectRef idx="0">
+            <a:schemeClr val="accent1"/>
+          </a:effectRef>
+          <a:fontRef idx="minor">
+            <a:schemeClr val="lt1"/>
+          </a:fontRef>
+        </p:style>
+        <p:txBody>
+          <a:bodyPr rtlCol="0" anchor="ctr"/>
+          <a:lstStyle/>
+          <a:p>
+            <a:pPr algn="ctr"/>
+            <a:endParaRPr lang="en-AU"/>
+          </a:p>
+        </p:txBody>
+      </p:sp>
+      <p:sp>
+        <p:nvSpPr>
+          <p:cNvPr id="3" name="TextBox 2"/>
+          <p:cNvSpPr txBox="1"/>
+          <p:nvPr/>
+        </p:nvSpPr>
+        <p:spPr>
+          <a:xfrm>
+            <a:off x="16473" y="49425"/>
+            <a:ext cx="8081322" cy="646331"/>
+          </a:xfrm>
+          <a:prstGeom prst="rect">
+            <a:avLst/>
+          </a:prstGeom>
+          <a:noFill/>
+        </p:spPr>
+        <p:txBody>
+          <a:bodyPr wrap="square" rtlCol="0">
+            <a:spAutoFit/>
+          </a:bodyPr>
+          <a:lstStyle/>
+          <a:p>
+            <a:r>
               <a:rPr lang="en-AU" sz="3600" dirty="0" err="1">
                 <a:solidFill>
                   <a:schemeClr val="bg2"/>
@@ -3612,7 +4256,7 @@
 </p:sld>
 </file>
 
-<file path=ppt/slides/slide11.xml><?xml version="1.0" encoding="utf-8"?>
+<file path=ppt/slides/slide13.xml><?xml version="1.0" encoding="utf-8"?>
 <p:sld xmlns:a="http://schemas.openxmlformats.org/drawingml/2006/main" xmlns:r="http://schemas.openxmlformats.org/officeDocument/2006/relationships" xmlns:p="http://schemas.openxmlformats.org/presentationml/2006/main">
   <p:cSld>
     <p:spTree>
@@ -3933,7 +4577,7 @@
 </p:sld>
 </file>
 
-<file path=ppt/slides/slide12.xml><?xml version="1.0" encoding="utf-8"?>
+<file path=ppt/slides/slide14.xml><?xml version="1.0" encoding="utf-8"?>
 <p:sld xmlns:a="http://schemas.openxmlformats.org/drawingml/2006/main" xmlns:r="http://schemas.openxmlformats.org/officeDocument/2006/relationships" xmlns:p="http://schemas.openxmlformats.org/presentationml/2006/main">
   <p:cSld>
     <p:spTree>
@@ -3952,14 +4596,14 @@
       </p:grpSpPr>
       <p:sp>
         <p:nvSpPr>
-          <p:cNvPr id="2" name="TextBox 1"/>
+          <p:cNvPr id="10" name="TextBox 9"/>
           <p:cNvSpPr txBox="1"/>
           <p:nvPr/>
         </p:nvSpPr>
         <p:spPr>
           <a:xfrm>
-            <a:off x="4085967" y="2306594"/>
-            <a:ext cx="5033319" cy="707886"/>
+            <a:off x="1861751" y="2702012"/>
+            <a:ext cx="7825945" cy="923330"/>
           </a:xfrm>
           <a:prstGeom prst="rect">
             <a:avLst/>
@@ -3972,13 +4616,14 @@
           </a:bodyPr>
           <a:lstStyle/>
           <a:p>
-            <a:r>
-              <a:rPr lang="en-AU" sz="4000" dirty="0" smtClean="0">
+            <a:pPr algn="ctr"/>
+            <a:r>
+              <a:rPr lang="en-AU" sz="5400" b="1" dirty="0" smtClean="0">
                 <a:latin typeface="Calibri" panose="020F0502020204030204" pitchFamily="34" charset="0"/>
               </a:rPr>
-              <a:t>Code walkthrough</a:t>
-            </a:r>
-            <a:endParaRPr lang="en-AU" sz="4000" dirty="0">
+              <a:t>DEMO</a:t>
+            </a:r>
+            <a:endParaRPr lang="en-AU" sz="5400" b="1" dirty="0">
               <a:latin typeface="Calibri" panose="020F0502020204030204" pitchFamily="34" charset="0"/>
             </a:endParaRPr>
           </a:p>
@@ -3987,6 +4632,54 @@
       <p:sp>
         <p:nvSpPr>
           <p:cNvPr id="3" name="TextBox 2"/>
+          <p:cNvSpPr txBox="1"/>
+          <p:nvPr/>
+        </p:nvSpPr>
+        <p:spPr>
+          <a:xfrm>
+            <a:off x="617839" y="469558"/>
+            <a:ext cx="4209535" cy="1200329"/>
+          </a:xfrm>
+          <a:prstGeom prst="rect">
+            <a:avLst/>
+          </a:prstGeom>
+          <a:noFill/>
+        </p:spPr>
+        <p:txBody>
+          <a:bodyPr wrap="square" rtlCol="0">
+            <a:spAutoFit/>
+          </a:bodyPr>
+          <a:lstStyle/>
+          <a:p>
+            <a:r>
+              <a:rPr lang="en-AU" dirty="0" smtClean="0"/>
+              <a:t>Container and Dump component</a:t>
+            </a:r>
+          </a:p>
+          <a:p>
+            <a:r>
+              <a:rPr lang="en-AU" dirty="0" smtClean="0"/>
+              <a:t>Error Handling</a:t>
+            </a:r>
+          </a:p>
+          <a:p>
+            <a:r>
+              <a:rPr lang="en-AU" dirty="0" smtClean="0"/>
+              <a:t>Route Guard</a:t>
+            </a:r>
+          </a:p>
+          <a:p>
+            <a:r>
+              <a:rPr lang="en-AU" dirty="0" smtClean="0"/>
+              <a:t>Unit test </a:t>
+            </a:r>
+            <a:endParaRPr lang="en-AU" dirty="0"/>
+          </a:p>
+        </p:txBody>
+      </p:sp>
+      <p:sp>
+        <p:nvSpPr>
+          <p:cNvPr id="4" name="TextBox 3"/>
           <p:cNvSpPr txBox="1"/>
           <p:nvPr/>
         </p:nvSpPr>
@@ -4006,83 +4699,35 @@
           </a:bodyPr>
           <a:lstStyle/>
           <a:p>
-            <a:r>
-              <a:rPr lang="en-AU" sz="3600" dirty="0">
+            <a:pPr algn="ctr"/>
+            <a:r>
+              <a:rPr lang="en-AU" sz="3600" dirty="0" smtClean="0">
                 <a:latin typeface="Calibri" panose="020F0502020204030204" pitchFamily="34" charset="0"/>
               </a:rPr>
-              <a:t>https://github.com/timmyktom/angular2_ngrx_example</a:t>
-            </a:r>
-          </a:p>
-        </p:txBody>
-      </p:sp>
-      <p:sp>
-        <p:nvSpPr>
-          <p:cNvPr id="4" name="TextBox 3"/>
-          <p:cNvSpPr txBox="1"/>
-          <p:nvPr/>
-        </p:nvSpPr>
-        <p:spPr>
-          <a:xfrm>
-            <a:off x="7982465" y="3303373"/>
-            <a:ext cx="4209535" cy="1200329"/>
-          </a:xfrm>
-          <a:prstGeom prst="rect">
-            <a:avLst/>
-          </a:prstGeom>
-          <a:noFill/>
-        </p:spPr>
-        <p:txBody>
-          <a:bodyPr wrap="square" rtlCol="0">
-            <a:spAutoFit/>
-          </a:bodyPr>
-          <a:lstStyle/>
-          <a:p>
-            <a:pPr marL="285750" indent="-285750">
-              <a:buFont typeface="Arial" panose="020B0604020202020204" pitchFamily="34" charset="0"/>
-              <a:buChar char="•"/>
-            </a:pPr>
-            <a:r>
-              <a:rPr lang="en-AU" dirty="0" smtClean="0"/>
-              <a:t>Container and Dump component</a:t>
-            </a:r>
-          </a:p>
-          <a:p>
-            <a:pPr marL="285750" indent="-285750">
-              <a:buFont typeface="Arial" panose="020B0604020202020204" pitchFamily="34" charset="0"/>
-              <a:buChar char="•"/>
-            </a:pPr>
-            <a:r>
-              <a:rPr lang="en-AU" dirty="0" smtClean="0"/>
-              <a:t>Error Handling</a:t>
-            </a:r>
-          </a:p>
-          <a:p>
-            <a:pPr marL="285750" indent="-285750">
-              <a:buFont typeface="Arial" panose="020B0604020202020204" pitchFamily="34" charset="0"/>
-              <a:buChar char="•"/>
-            </a:pPr>
-            <a:r>
-              <a:rPr lang="en-AU" dirty="0" smtClean="0"/>
-              <a:t>Route Guard</a:t>
-            </a:r>
-          </a:p>
-          <a:p>
-            <a:pPr marL="285750" indent="-285750">
-              <a:buFont typeface="Arial" panose="020B0604020202020204" pitchFamily="34" charset="0"/>
-              <a:buChar char="•"/>
-            </a:pPr>
-            <a:r>
-              <a:rPr lang="en-AU" dirty="0" smtClean="0"/>
-              <a:t>Unit test </a:t>
-            </a:r>
-            <a:endParaRPr lang="en-AU" dirty="0"/>
+              <a:t>github.com/</a:t>
+            </a:r>
+            <a:r>
+              <a:rPr lang="en-AU" sz="3600" dirty="0" err="1" smtClean="0">
+                <a:latin typeface="Calibri" panose="020F0502020204030204" pitchFamily="34" charset="0"/>
+              </a:rPr>
+              <a:t>timmyktom</a:t>
+            </a:r>
+            <a:r>
+              <a:rPr lang="en-AU" sz="3600" dirty="0" smtClean="0">
+                <a:latin typeface="Calibri" panose="020F0502020204030204" pitchFamily="34" charset="0"/>
+              </a:rPr>
+              <a:t>/angular2_ngrx_example</a:t>
+            </a:r>
+            <a:endParaRPr lang="en-AU" sz="3600" dirty="0">
+              <a:latin typeface="Calibri" panose="020F0502020204030204" pitchFamily="34" charset="0"/>
+            </a:endParaRPr>
           </a:p>
         </p:txBody>
       </p:sp>
     </p:spTree>
     <p:extLst>
       <p:ext uri="{BB962C8B-B14F-4D97-AF65-F5344CB8AC3E}">
-        <p14:creationId xmlns:p14="http://schemas.microsoft.com/office/powerpoint/2010/main" val="3803349895"/>
+        <p14:creationId xmlns:p14="http://schemas.microsoft.com/office/powerpoint/2010/main" val="3751403985"/>
       </p:ext>
     </p:extLst>
   </p:cSld>
@@ -4099,7 +4744,7 @@
 </p:sld>
 </file>
 
-<file path=ppt/slides/slide13.xml><?xml version="1.0" encoding="utf-8"?>
+<file path=ppt/slides/slide15.xml><?xml version="1.0" encoding="utf-8"?>
 <p:sld xmlns:a="http://schemas.openxmlformats.org/drawingml/2006/main" xmlns:r="http://schemas.openxmlformats.org/officeDocument/2006/relationships" xmlns:p="http://schemas.openxmlformats.org/presentationml/2006/main">
   <p:cSld>
     <p:spTree>
@@ -4154,7 +4799,7 @@
     </p:spTree>
     <p:extLst>
       <p:ext uri="{BB962C8B-B14F-4D97-AF65-F5344CB8AC3E}">
-        <p14:creationId xmlns:p14="http://schemas.microsoft.com/office/powerpoint/2010/main" val="3751403985"/>
+        <p14:creationId xmlns:p14="http://schemas.microsoft.com/office/powerpoint/2010/main" val="1183368938"/>
       </p:ext>
     </p:extLst>
   </p:cSld>
@@ -4190,155 +4835,43 @@
       </p:grpSpPr>
       <p:sp>
         <p:nvSpPr>
-          <p:cNvPr id="2" name="Title 1"/>
-          <p:cNvSpPr>
-            <a:spLocks noGrp="1"/>
-          </p:cNvSpPr>
-          <p:nvPr>
-            <p:ph type="title"/>
-          </p:nvPr>
-        </p:nvSpPr>
-        <p:spPr/>
-        <p:txBody>
-          <a:bodyPr/>
-          <a:lstStyle/>
-          <a:p>
-            <a:r>
-              <a:rPr lang="en-AU" cap="none" dirty="0" err="1" smtClean="0"/>
-              <a:t>Ngrx</a:t>
-            </a:r>
-            <a:r>
-              <a:rPr lang="en-AU" cap="none" dirty="0" smtClean="0"/>
-              <a:t> </a:t>
-            </a:r>
-            <a:endParaRPr lang="en-AU" cap="none" dirty="0"/>
-          </a:p>
-        </p:txBody>
-      </p:sp>
-      <p:sp>
-        <p:nvSpPr>
-          <p:cNvPr id="3" name="Content Placeholder 2"/>
-          <p:cNvSpPr>
-            <a:spLocks noGrp="1"/>
-          </p:cNvSpPr>
-          <p:nvPr>
-            <p:ph idx="1"/>
-          </p:nvPr>
+          <p:cNvPr id="10" name="TextBox 9"/>
+          <p:cNvSpPr txBox="1"/>
+          <p:nvPr/>
         </p:nvSpPr>
         <p:spPr>
           <a:xfrm>
-            <a:off x="1202919" y="2883242"/>
-            <a:ext cx="9784080" cy="2290119"/>
+            <a:off x="1861751" y="2702012"/>
+            <a:ext cx="7825945" cy="923330"/>
           </a:xfrm>
+          <a:prstGeom prst="rect">
+            <a:avLst/>
+          </a:prstGeom>
+          <a:noFill/>
         </p:spPr>
         <p:txBody>
-          <a:bodyPr/>
+          <a:bodyPr wrap="square" rtlCol="0">
+            <a:spAutoFit/>
+          </a:bodyPr>
           <a:lstStyle/>
           <a:p>
-            <a:pPr>
-              <a:spcAft>
-                <a:spcPts val="1200"/>
-              </a:spcAft>
-            </a:pPr>
-            <a:r>
-              <a:rPr lang="en-AU" dirty="0" err="1"/>
-              <a:t>RxJS</a:t>
-            </a:r>
-            <a:r>
-              <a:rPr lang="en-AU" dirty="0"/>
-              <a:t> powered state management for Angular applications, inspired by </a:t>
-            </a:r>
-            <a:r>
-              <a:rPr lang="en-AU" dirty="0" err="1" smtClean="0"/>
-              <a:t>Redux</a:t>
-            </a:r>
-            <a:r>
-              <a:rPr lang="en-AU" dirty="0" smtClean="0"/>
-              <a:t>.</a:t>
-            </a:r>
-          </a:p>
-          <a:p>
-            <a:pPr>
-              <a:spcAft>
-                <a:spcPts val="1200"/>
-              </a:spcAft>
-            </a:pPr>
-            <a:r>
-              <a:rPr lang="en-AU" dirty="0"/>
-              <a:t>Three main </a:t>
-            </a:r>
-            <a:r>
-              <a:rPr lang="en-AU" dirty="0" smtClean="0"/>
-              <a:t>pieces</a:t>
-            </a:r>
-            <a:r>
-              <a:rPr lang="en-AU" dirty="0"/>
-              <a:t> </a:t>
-            </a:r>
-            <a:r>
-              <a:rPr lang="en-AU" dirty="0" smtClean="0"/>
-              <a:t>of </a:t>
-            </a:r>
-            <a:r>
-              <a:rPr lang="en-AU" dirty="0" err="1" smtClean="0"/>
-              <a:t>Ngrx</a:t>
-            </a:r>
-            <a:r>
-              <a:rPr lang="en-AU" dirty="0" smtClean="0"/>
-              <a:t> : </a:t>
-            </a:r>
-            <a:r>
-              <a:rPr lang="en-AU" dirty="0"/>
-              <a:t>single </a:t>
-            </a:r>
-            <a:r>
-              <a:rPr lang="en-AU" dirty="0" smtClean="0"/>
-              <a:t>store, reducers</a:t>
-            </a:r>
-            <a:r>
-              <a:rPr lang="en-AU" dirty="0"/>
-              <a:t>, </a:t>
-            </a:r>
-            <a:r>
-              <a:rPr lang="en-AU" dirty="0" smtClean="0"/>
-              <a:t>actions.</a:t>
-            </a:r>
-            <a:endParaRPr lang="en-AU" dirty="0"/>
-          </a:p>
-          <a:p>
-            <a:pPr>
-              <a:spcAft>
-                <a:spcPts val="1200"/>
-              </a:spcAft>
-            </a:pPr>
-            <a:r>
-              <a:rPr lang="en-AU" dirty="0" smtClean="0"/>
-              <a:t>The </a:t>
-            </a:r>
-            <a:r>
-              <a:rPr lang="en-AU" dirty="0"/>
-              <a:t>primary characteristics </a:t>
-            </a:r>
-            <a:r>
-              <a:rPr lang="en-AU" dirty="0" smtClean="0"/>
-              <a:t>is </a:t>
-            </a:r>
-            <a:r>
-              <a:rPr lang="en-AU" dirty="0"/>
-              <a:t>that state is centralized, events flow up and state flows down</a:t>
-            </a:r>
-            <a:r>
-              <a:rPr lang="en-AU" dirty="0" smtClean="0"/>
-              <a:t>.</a:t>
-            </a:r>
-            <a:endParaRPr lang="en-AU" dirty="0"/>
+            <a:pPr algn="ctr"/>
+            <a:r>
+              <a:rPr lang="en-AU" sz="5400" b="1" dirty="0" smtClean="0">
+                <a:latin typeface="Calibri" panose="020F0502020204030204" pitchFamily="34" charset="0"/>
+              </a:rPr>
+              <a:t>Who’s Timmy</a:t>
+            </a:r>
+            <a:endParaRPr lang="en-AU" sz="5400" b="1" dirty="0">
+              <a:latin typeface="Calibri" panose="020F0502020204030204" pitchFamily="34" charset="0"/>
+            </a:endParaRPr>
           </a:p>
         </p:txBody>
       </p:sp>
     </p:spTree>
     <p:extLst>
       <p:ext uri="{BB962C8B-B14F-4D97-AF65-F5344CB8AC3E}">
-        <p14:creationId xmlns:p14="http://schemas.microsoft.com/office/powerpoint/2010/main" val="2815170133"/>
+        <p14:creationId xmlns:p14="http://schemas.microsoft.com/office/powerpoint/2010/main" val="2642985329"/>
       </p:ext>
     </p:extLst>
   </p:cSld>
@@ -4374,6 +4907,87 @@
       </p:grpSpPr>
       <p:sp>
         <p:nvSpPr>
+          <p:cNvPr id="10" name="TextBox 9"/>
+          <p:cNvSpPr txBox="1"/>
+          <p:nvPr/>
+        </p:nvSpPr>
+        <p:spPr>
+          <a:xfrm>
+            <a:off x="1861751" y="2702012"/>
+            <a:ext cx="7825945" cy="923330"/>
+          </a:xfrm>
+          <a:prstGeom prst="rect">
+            <a:avLst/>
+          </a:prstGeom>
+          <a:noFill/>
+        </p:spPr>
+        <p:txBody>
+          <a:bodyPr wrap="square" rtlCol="0">
+            <a:spAutoFit/>
+          </a:bodyPr>
+          <a:lstStyle/>
+          <a:p>
+            <a:pPr algn="ctr"/>
+            <a:r>
+              <a:rPr lang="en-AU" sz="5400" b="1" dirty="0" smtClean="0">
+                <a:latin typeface="Calibri" panose="020F0502020204030204" pitchFamily="34" charset="0"/>
+              </a:rPr>
+              <a:t>What’s </a:t>
+            </a:r>
+            <a:r>
+              <a:rPr lang="en-AU" sz="5400" b="1" dirty="0" err="1" smtClean="0">
+                <a:latin typeface="Calibri" panose="020F0502020204030204" pitchFamily="34" charset="0"/>
+              </a:rPr>
+              <a:t>Ngrx</a:t>
+            </a:r>
+            <a:r>
+              <a:rPr lang="en-AU" sz="5400" b="1" dirty="0" smtClean="0">
+                <a:latin typeface="Calibri" panose="020F0502020204030204" pitchFamily="34" charset="0"/>
+              </a:rPr>
+              <a:t>?</a:t>
+            </a:r>
+          </a:p>
+        </p:txBody>
+      </p:sp>
+    </p:spTree>
+    <p:extLst>
+      <p:ext uri="{BB962C8B-B14F-4D97-AF65-F5344CB8AC3E}">
+        <p14:creationId xmlns:p14="http://schemas.microsoft.com/office/powerpoint/2010/main" val="398887528"/>
+      </p:ext>
+    </p:extLst>
+  </p:cSld>
+  <p:clrMapOvr>
+    <a:masterClrMapping/>
+  </p:clrMapOvr>
+  <p:timing>
+    <p:tnLst>
+      <p:par>
+        <p:cTn id="1" dur="indefinite" restart="never" nodeType="tmRoot"/>
+      </p:par>
+    </p:tnLst>
+  </p:timing>
+</p:sld>
+</file>
+
+<file path=ppt/slides/slide4.xml><?xml version="1.0" encoding="utf-8"?>
+<p:sld xmlns:a="http://schemas.openxmlformats.org/drawingml/2006/main" xmlns:r="http://schemas.openxmlformats.org/officeDocument/2006/relationships" xmlns:p="http://schemas.openxmlformats.org/presentationml/2006/main">
+  <p:cSld>
+    <p:spTree>
+      <p:nvGrpSpPr>
+        <p:cNvPr id="1" name=""/>
+        <p:cNvGrpSpPr/>
+        <p:nvPr/>
+      </p:nvGrpSpPr>
+      <p:grpSpPr>
+        <a:xfrm>
+          <a:off x="0" y="0"/>
+          <a:ext cx="0" cy="0"/>
+          <a:chOff x="0" y="0"/>
+          <a:chExt cx="0" cy="0"/>
+        </a:xfrm>
+      </p:grpSpPr>
+      <p:sp>
+        <p:nvSpPr>
           <p:cNvPr id="2" name="Title 1"/>
           <p:cNvSpPr>
             <a:spLocks noGrp="1"/>
@@ -4382,6 +4996,190 @@
             <p:ph type="title"/>
           </p:nvPr>
         </p:nvSpPr>
+        <p:spPr/>
+        <p:txBody>
+          <a:bodyPr/>
+          <a:lstStyle/>
+          <a:p>
+            <a:r>
+              <a:rPr lang="en-AU" cap="none" dirty="0" err="1" smtClean="0"/>
+              <a:t>Ngrx</a:t>
+            </a:r>
+            <a:r>
+              <a:rPr lang="en-AU" cap="none" dirty="0" smtClean="0"/>
+              <a:t> </a:t>
+            </a:r>
+            <a:endParaRPr lang="en-AU" cap="none" dirty="0"/>
+          </a:p>
+        </p:txBody>
+      </p:sp>
+      <p:sp>
+        <p:nvSpPr>
+          <p:cNvPr id="3" name="Content Placeholder 2"/>
+          <p:cNvSpPr>
+            <a:spLocks noGrp="1"/>
+          </p:cNvSpPr>
+          <p:nvPr>
+            <p:ph idx="1"/>
+          </p:nvPr>
+        </p:nvSpPr>
+        <p:spPr>
+          <a:xfrm>
+            <a:off x="1202919" y="2883242"/>
+            <a:ext cx="9784080" cy="2290119"/>
+          </a:xfrm>
+        </p:spPr>
+        <p:txBody>
+          <a:bodyPr/>
+          <a:lstStyle/>
+          <a:p>
+            <a:pPr>
+              <a:spcAft>
+                <a:spcPts val="1200"/>
+              </a:spcAft>
+            </a:pPr>
+            <a:r>
+              <a:rPr lang="en-AU" dirty="0" err="1"/>
+              <a:t>RxJS</a:t>
+            </a:r>
+            <a:r>
+              <a:rPr lang="en-AU" dirty="0"/>
+              <a:t> powered state management for Angular applications, inspired by </a:t>
+            </a:r>
+            <a:r>
+              <a:rPr lang="en-AU" dirty="0" err="1" smtClean="0"/>
+              <a:t>Redux</a:t>
+            </a:r>
+            <a:r>
+              <a:rPr lang="en-AU" dirty="0" smtClean="0"/>
+              <a:t>.</a:t>
+            </a:r>
+          </a:p>
+          <a:p>
+            <a:pPr>
+              <a:spcAft>
+                <a:spcPts val="1200"/>
+              </a:spcAft>
+            </a:pPr>
+            <a:r>
+              <a:rPr lang="en-AU" dirty="0"/>
+              <a:t>Three main </a:t>
+            </a:r>
+            <a:r>
+              <a:rPr lang="en-AU" dirty="0" smtClean="0"/>
+              <a:t>pieces</a:t>
+            </a:r>
+            <a:r>
+              <a:rPr lang="en-AU" dirty="0"/>
+              <a:t> </a:t>
+            </a:r>
+            <a:r>
+              <a:rPr lang="en-AU" dirty="0" smtClean="0"/>
+              <a:t>of </a:t>
+            </a:r>
+            <a:r>
+              <a:rPr lang="en-AU" dirty="0" err="1" smtClean="0"/>
+              <a:t>Ngrx</a:t>
+            </a:r>
+            <a:r>
+              <a:rPr lang="en-AU" dirty="0" smtClean="0"/>
+              <a:t> : </a:t>
+            </a:r>
+            <a:r>
+              <a:rPr lang="en-AU" dirty="0"/>
+              <a:t>single </a:t>
+            </a:r>
+            <a:r>
+              <a:rPr lang="en-AU" dirty="0" smtClean="0"/>
+              <a:t>store, reducers</a:t>
+            </a:r>
+            <a:r>
+              <a:rPr lang="en-AU" dirty="0"/>
+              <a:t>, </a:t>
+            </a:r>
+            <a:r>
+              <a:rPr lang="en-AU" dirty="0" smtClean="0"/>
+              <a:t>actions.</a:t>
+            </a:r>
+            <a:endParaRPr lang="en-AU" dirty="0"/>
+          </a:p>
+          <a:p>
+            <a:pPr>
+              <a:spcAft>
+                <a:spcPts val="1200"/>
+              </a:spcAft>
+            </a:pPr>
+            <a:r>
+              <a:rPr lang="en-AU" dirty="0" smtClean="0"/>
+              <a:t>The </a:t>
+            </a:r>
+            <a:r>
+              <a:rPr lang="en-AU" dirty="0"/>
+              <a:t>primary characteristics </a:t>
+            </a:r>
+            <a:r>
+              <a:rPr lang="en-AU" dirty="0" smtClean="0"/>
+              <a:t>is </a:t>
+            </a:r>
+            <a:r>
+              <a:rPr lang="en-AU" dirty="0"/>
+              <a:t>that state is centralized, events flow up and state flows down</a:t>
+            </a:r>
+            <a:r>
+              <a:rPr lang="en-AU" dirty="0" smtClean="0"/>
+              <a:t>.</a:t>
+            </a:r>
+            <a:endParaRPr lang="en-AU" dirty="0"/>
+          </a:p>
+        </p:txBody>
+      </p:sp>
+    </p:spTree>
+    <p:extLst>
+      <p:ext uri="{BB962C8B-B14F-4D97-AF65-F5344CB8AC3E}">
+        <p14:creationId xmlns:p14="http://schemas.microsoft.com/office/powerpoint/2010/main" val="2815170133"/>
+      </p:ext>
+    </p:extLst>
+  </p:cSld>
+  <p:clrMapOvr>
+    <a:masterClrMapping/>
+  </p:clrMapOvr>
+  <p:timing>
+    <p:tnLst>
+      <p:par>
+        <p:cTn id="1" dur="indefinite" restart="never" nodeType="tmRoot"/>
+      </p:par>
+    </p:tnLst>
+  </p:timing>
+</p:sld>
+</file>
+
+<file path=ppt/slides/slide5.xml><?xml version="1.0" encoding="utf-8"?>
+<p:sld xmlns:a="http://schemas.openxmlformats.org/drawingml/2006/main" xmlns:r="http://schemas.openxmlformats.org/officeDocument/2006/relationships" xmlns:p="http://schemas.openxmlformats.org/presentationml/2006/main">
+  <p:cSld>
+    <p:spTree>
+      <p:nvGrpSpPr>
+        <p:cNvPr id="1" name=""/>
+        <p:cNvGrpSpPr/>
+        <p:nvPr/>
+      </p:nvGrpSpPr>
+      <p:grpSpPr>
+        <a:xfrm>
+          <a:off x="0" y="0"/>
+          <a:ext cx="0" cy="0"/>
+          <a:chOff x="0" y="0"/>
+          <a:chExt cx="0" cy="0"/>
+        </a:xfrm>
+      </p:grpSpPr>
+      <p:sp>
+        <p:nvSpPr>
+          <p:cNvPr id="2" name="Title 1"/>
+          <p:cNvSpPr>
+            <a:spLocks noGrp="1"/>
+          </p:cNvSpPr>
+          <p:nvPr>
+            <p:ph type="title"/>
+          </p:nvPr>
+        </p:nvSpPr>
         <p:spPr>
           <a:xfrm>
             <a:off x="922832" y="391268"/>
@@ -4394,7 +5192,7 @@
           <a:p>
             <a:r>
               <a:rPr lang="en-AU" cap="none" dirty="0" smtClean="0"/>
-              <a:t>Basic flow</a:t>
+              <a:t>How it works?</a:t>
             </a:r>
             <a:endParaRPr lang="en-AU" cap="none" dirty="0"/>
           </a:p>
@@ -6767,7 +7565,7 @@
 </p:sld>
 </file>
 
-<file path=ppt/slides/slide4.xml><?xml version="1.0" encoding="utf-8"?>
+<file path=ppt/slides/slide6.xml><?xml version="1.0" encoding="utf-8"?>
 <p:sld xmlns:a="http://schemas.openxmlformats.org/drawingml/2006/main" xmlns:r="http://schemas.openxmlformats.org/officeDocument/2006/relationships" xmlns:p="http://schemas.openxmlformats.org/presentationml/2006/main">
   <p:cSld>
     <p:spTree>
@@ -7360,7 +8158,7 @@
 </p:sld>
 </file>
 
-<file path=ppt/slides/slide5.xml><?xml version="1.0" encoding="utf-8"?>
+<file path=ppt/slides/slide7.xml><?xml version="1.0" encoding="utf-8"?>
 <p:sld xmlns:a="http://schemas.openxmlformats.org/drawingml/2006/main" xmlns:r="http://schemas.openxmlformats.org/officeDocument/2006/relationships" xmlns:p="http://schemas.openxmlformats.org/presentationml/2006/main">
   <p:cSld>
     <p:spTree>
@@ -7744,7 +8542,7 @@
 </p:sld>
 </file>
 
-<file path=ppt/slides/slide6.xml><?xml version="1.0" encoding="utf-8"?>
+<file path=ppt/slides/slide8.xml><?xml version="1.0" encoding="utf-8"?>
 <p:sld xmlns:a="http://schemas.openxmlformats.org/drawingml/2006/main" xmlns:r="http://schemas.openxmlformats.org/officeDocument/2006/relationships" xmlns:p="http://schemas.openxmlformats.org/presentationml/2006/main">
   <p:cSld>
     <p:spTree>
@@ -7947,7 +8745,7 @@
 </p:sld>
 </file>
 
-<file path=ppt/slides/slide7.xml><?xml version="1.0" encoding="utf-8"?>
+<file path=ppt/slides/slide9.xml><?xml version="1.0" encoding="utf-8"?>
 <p:sld xmlns:a="http://schemas.openxmlformats.org/drawingml/2006/main" xmlns:r="http://schemas.openxmlformats.org/officeDocument/2006/relationships" xmlns:p="http://schemas.openxmlformats.org/presentationml/2006/main">
   <p:cSld>
     <p:spTree>
@@ -8193,640 +8991,6 @@
     <p:extLst>
       <p:ext uri="{BB962C8B-B14F-4D97-AF65-F5344CB8AC3E}">
         <p14:creationId xmlns:p14="http://schemas.microsoft.com/office/powerpoint/2010/main" val="669798153"/>
-      </p:ext>
-    </p:extLst>
-  </p:cSld>
-  <p:clrMapOvr>
-    <a:masterClrMapping/>
-  </p:clrMapOvr>
-  <p:timing>
-    <p:tnLst>
-      <p:par>
-        <p:cTn id="1" dur="indefinite" restart="never" nodeType="tmRoot"/>
-      </p:par>
-    </p:tnLst>
-  </p:timing>
-</p:sld>
-</file>
-
-<file path=ppt/slides/slide8.xml><?xml version="1.0" encoding="utf-8"?>
-<p:sld xmlns:a="http://schemas.openxmlformats.org/drawingml/2006/main" xmlns:r="http://schemas.openxmlformats.org/officeDocument/2006/relationships" xmlns:p="http://schemas.openxmlformats.org/presentationml/2006/main">
-  <p:cSld>
-    <p:spTree>
-      <p:nvGrpSpPr>
-        <p:cNvPr id="1" name=""/>
-        <p:cNvGrpSpPr/>
-        <p:nvPr/>
-      </p:nvGrpSpPr>
-      <p:grpSpPr>
-        <a:xfrm>
-          <a:off x="0" y="0"/>
-          <a:ext cx="0" cy="0"/>
-          <a:chOff x="0" y="0"/>
-          <a:chExt cx="0" cy="0"/>
-        </a:xfrm>
-      </p:grpSpPr>
-      <p:sp>
-        <p:nvSpPr>
-          <p:cNvPr id="2" name="Rectangle 1"/>
-          <p:cNvSpPr/>
-          <p:nvPr/>
-        </p:nvSpPr>
-        <p:spPr>
-          <a:xfrm>
-            <a:off x="0" y="65950"/>
-            <a:ext cx="12192000" cy="650742"/>
-          </a:xfrm>
-          <a:prstGeom prst="rect">
-            <a:avLst/>
-          </a:prstGeom>
-          <a:solidFill>
-            <a:schemeClr val="tx1"/>
-          </a:solidFill>
-          <a:ln>
-            <a:noFill/>
-          </a:ln>
-        </p:spPr>
-        <p:style>
-          <a:lnRef idx="2">
-            <a:schemeClr val="accent1">
-              <a:shade val="50000"/>
-            </a:schemeClr>
-          </a:lnRef>
-          <a:fillRef idx="1">
-            <a:schemeClr val="accent1"/>
-          </a:fillRef>
-          <a:effectRef idx="0">
-            <a:schemeClr val="accent1"/>
-          </a:effectRef>
-          <a:fontRef idx="minor">
-            <a:schemeClr val="lt1"/>
-          </a:fontRef>
-        </p:style>
-        <p:txBody>
-          <a:bodyPr rtlCol="0" anchor="ctr"/>
-          <a:lstStyle/>
-          <a:p>
-            <a:pPr algn="ctr"/>
-            <a:endParaRPr lang="en-AU"/>
-          </a:p>
-        </p:txBody>
-      </p:sp>
-      <p:sp>
-        <p:nvSpPr>
-          <p:cNvPr id="3" name="TextBox 2"/>
-          <p:cNvSpPr txBox="1"/>
-          <p:nvPr/>
-        </p:nvSpPr>
-        <p:spPr>
-          <a:xfrm>
-            <a:off x="16473" y="49425"/>
-            <a:ext cx="8081322" cy="646331"/>
-          </a:xfrm>
-          <a:prstGeom prst="rect">
-            <a:avLst/>
-          </a:prstGeom>
-          <a:noFill/>
-        </p:spPr>
-        <p:txBody>
-          <a:bodyPr wrap="square" rtlCol="0">
-            <a:spAutoFit/>
-          </a:bodyPr>
-          <a:lstStyle/>
-          <a:p>
-            <a:r>
-              <a:rPr lang="en-AU" sz="3600" dirty="0" smtClean="0">
-                <a:solidFill>
-                  <a:schemeClr val="bg2"/>
-                </a:solidFill>
-                <a:latin typeface="Calibri" panose="020F0502020204030204" pitchFamily="34" charset="0"/>
-              </a:rPr>
-              <a:t>Service Class to communicate with server</a:t>
-            </a:r>
-            <a:endParaRPr lang="en-AU" sz="3600" dirty="0">
-              <a:solidFill>
-                <a:schemeClr val="bg2"/>
-              </a:solidFill>
-              <a:latin typeface="Calibri" panose="020F0502020204030204" pitchFamily="34" charset="0"/>
-            </a:endParaRPr>
-          </a:p>
-        </p:txBody>
-      </p:sp>
-      <p:pic>
-        <p:nvPicPr>
-          <p:cNvPr id="4" name="Picture 3"/>
-          <p:cNvPicPr>
-            <a:picLocks noChangeAspect="1"/>
-          </p:cNvPicPr>
-          <p:nvPr/>
-        </p:nvPicPr>
-        <p:blipFill>
-          <a:blip r:embed="rId2"/>
-          <a:stretch>
-            <a:fillRect/>
-          </a:stretch>
-        </p:blipFill>
-        <p:spPr>
-          <a:xfrm>
-            <a:off x="275710" y="901529"/>
-            <a:ext cx="7258050" cy="4610100"/>
-          </a:xfrm>
-          <a:prstGeom prst="rect">
-            <a:avLst/>
-          </a:prstGeom>
-        </p:spPr>
-      </p:pic>
-      <p:sp>
-        <p:nvSpPr>
-          <p:cNvPr id="5" name="TextBox 4"/>
-          <p:cNvSpPr txBox="1"/>
-          <p:nvPr/>
-        </p:nvSpPr>
-        <p:spPr>
-          <a:xfrm>
-            <a:off x="7809469" y="1787610"/>
-            <a:ext cx="3929449" cy="646331"/>
-          </a:xfrm>
-          <a:prstGeom prst="rect">
-            <a:avLst/>
-          </a:prstGeom>
-          <a:noFill/>
-        </p:spPr>
-        <p:txBody>
-          <a:bodyPr wrap="square" rtlCol="0">
-            <a:spAutoFit/>
-          </a:bodyPr>
-          <a:lstStyle/>
-          <a:p>
-            <a:r>
-              <a:rPr lang="en-AU" dirty="0" smtClean="0"/>
-              <a:t>Simple Typescript class and its public function return type is of Observable.</a:t>
-            </a:r>
-            <a:endParaRPr lang="en-AU" dirty="0"/>
-          </a:p>
-        </p:txBody>
-      </p:sp>
-    </p:spTree>
-    <p:extLst>
-      <p:ext uri="{BB962C8B-B14F-4D97-AF65-F5344CB8AC3E}">
-        <p14:creationId xmlns:p14="http://schemas.microsoft.com/office/powerpoint/2010/main" val="3287875279"/>
-      </p:ext>
-    </p:extLst>
-  </p:cSld>
-  <p:clrMapOvr>
-    <a:masterClrMapping/>
-  </p:clrMapOvr>
-  <p:timing>
-    <p:tnLst>
-      <p:par>
-        <p:cTn id="1" dur="indefinite" restart="never" nodeType="tmRoot"/>
-      </p:par>
-    </p:tnLst>
-  </p:timing>
-</p:sld>
-</file>
-
-<file path=ppt/slides/slide9.xml><?xml version="1.0" encoding="utf-8"?>
-<p:sld xmlns:a="http://schemas.openxmlformats.org/drawingml/2006/main" xmlns:r="http://schemas.openxmlformats.org/officeDocument/2006/relationships" xmlns:p="http://schemas.openxmlformats.org/presentationml/2006/main">
-  <p:cSld>
-    <p:spTree>
-      <p:nvGrpSpPr>
-        <p:cNvPr id="1" name=""/>
-        <p:cNvGrpSpPr/>
-        <p:nvPr/>
-      </p:nvGrpSpPr>
-      <p:grpSpPr>
-        <a:xfrm>
-          <a:off x="0" y="0"/>
-          <a:ext cx="0" cy="0"/>
-          <a:chOff x="0" y="0"/>
-          <a:chExt cx="0" cy="0"/>
-        </a:xfrm>
-      </p:grpSpPr>
-      <p:sp>
-        <p:nvSpPr>
-          <p:cNvPr id="2" name="Rectangle 1"/>
-          <p:cNvSpPr/>
-          <p:nvPr/>
-        </p:nvSpPr>
-        <p:spPr>
-          <a:xfrm>
-            <a:off x="0" y="65950"/>
-            <a:ext cx="12192000" cy="650742"/>
-          </a:xfrm>
-          <a:prstGeom prst="rect">
-            <a:avLst/>
-          </a:prstGeom>
-          <a:solidFill>
-            <a:schemeClr val="tx1"/>
-          </a:solidFill>
-          <a:ln>
-            <a:noFill/>
-          </a:ln>
-        </p:spPr>
-        <p:style>
-          <a:lnRef idx="2">
-            <a:schemeClr val="accent1">
-              <a:shade val="50000"/>
-            </a:schemeClr>
-          </a:lnRef>
-          <a:fillRef idx="1">
-            <a:schemeClr val="accent1"/>
-          </a:fillRef>
-          <a:effectRef idx="0">
-            <a:schemeClr val="accent1"/>
-          </a:effectRef>
-          <a:fontRef idx="minor">
-            <a:schemeClr val="lt1"/>
-          </a:fontRef>
-        </p:style>
-        <p:txBody>
-          <a:bodyPr rtlCol="0" anchor="ctr"/>
-          <a:lstStyle/>
-          <a:p>
-            <a:pPr algn="ctr"/>
-            <a:endParaRPr lang="en-AU"/>
-          </a:p>
-        </p:txBody>
-      </p:sp>
-      <p:sp>
-        <p:nvSpPr>
-          <p:cNvPr id="3" name="TextBox 2"/>
-          <p:cNvSpPr txBox="1"/>
-          <p:nvPr/>
-        </p:nvSpPr>
-        <p:spPr>
-          <a:xfrm>
-            <a:off x="16473" y="49425"/>
-            <a:ext cx="2446641" cy="646331"/>
-          </a:xfrm>
-          <a:prstGeom prst="rect">
-            <a:avLst/>
-          </a:prstGeom>
-          <a:noFill/>
-        </p:spPr>
-        <p:txBody>
-          <a:bodyPr wrap="square" rtlCol="0">
-            <a:spAutoFit/>
-          </a:bodyPr>
-          <a:lstStyle/>
-          <a:p>
-            <a:r>
-              <a:rPr lang="en-AU" sz="3600" dirty="0" err="1">
-                <a:solidFill>
-                  <a:schemeClr val="bg2"/>
-                </a:solidFill>
-                <a:latin typeface="Calibri" panose="020F0502020204030204" pitchFamily="34" charset="0"/>
-              </a:rPr>
-              <a:t>ngrx</a:t>
-            </a:r>
-            <a:r>
-              <a:rPr lang="en-AU" sz="3600" dirty="0">
-                <a:solidFill>
-                  <a:schemeClr val="bg2"/>
-                </a:solidFill>
-                <a:latin typeface="Calibri" panose="020F0502020204030204" pitchFamily="34" charset="0"/>
-              </a:rPr>
-              <a:t>/effects</a:t>
-            </a:r>
-          </a:p>
-        </p:txBody>
-      </p:sp>
-      <p:sp>
-        <p:nvSpPr>
-          <p:cNvPr id="5" name="TextBox 4"/>
-          <p:cNvSpPr txBox="1"/>
-          <p:nvPr/>
-        </p:nvSpPr>
-        <p:spPr>
-          <a:xfrm>
-            <a:off x="2339544" y="214184"/>
-            <a:ext cx="9852456" cy="369332"/>
-          </a:xfrm>
-          <a:prstGeom prst="rect">
-            <a:avLst/>
-          </a:prstGeom>
-          <a:noFill/>
-        </p:spPr>
-        <p:txBody>
-          <a:bodyPr wrap="square" rtlCol="0">
-            <a:spAutoFit/>
-          </a:bodyPr>
-          <a:lstStyle/>
-          <a:p>
-            <a:r>
-              <a:rPr lang="en-AU" dirty="0" smtClean="0">
-                <a:solidFill>
-                  <a:schemeClr val="bg2"/>
-                </a:solidFill>
-              </a:rPr>
-              <a:t>-&gt; listens </a:t>
-            </a:r>
-            <a:r>
-              <a:rPr lang="en-AU" dirty="0">
-                <a:solidFill>
-                  <a:schemeClr val="bg2"/>
-                </a:solidFill>
-              </a:rPr>
-              <a:t>for actions being dispatched to the </a:t>
-            </a:r>
-            <a:r>
-              <a:rPr lang="en-AU" dirty="0" smtClean="0">
-                <a:solidFill>
-                  <a:schemeClr val="bg2"/>
-                </a:solidFill>
-              </a:rPr>
-              <a:t>store and can generate a new action and dispatches it.</a:t>
-            </a:r>
-            <a:endParaRPr lang="en-AU" dirty="0">
-              <a:solidFill>
-                <a:schemeClr val="bg2"/>
-              </a:solidFill>
-            </a:endParaRPr>
-          </a:p>
-        </p:txBody>
-      </p:sp>
-      <p:pic>
-        <p:nvPicPr>
-          <p:cNvPr id="6" name="Picture 5"/>
-          <p:cNvPicPr>
-            <a:picLocks noChangeAspect="1"/>
-          </p:cNvPicPr>
-          <p:nvPr/>
-        </p:nvPicPr>
-        <p:blipFill>
-          <a:blip r:embed="rId2"/>
-          <a:stretch>
-            <a:fillRect/>
-          </a:stretch>
-        </p:blipFill>
-        <p:spPr>
-          <a:xfrm>
-            <a:off x="199767" y="864926"/>
-            <a:ext cx="7162800" cy="5650125"/>
-          </a:xfrm>
-          <a:prstGeom prst="rect">
-            <a:avLst/>
-          </a:prstGeom>
-        </p:spPr>
-      </p:pic>
-      <p:sp>
-        <p:nvSpPr>
-          <p:cNvPr id="7" name="TextBox 6"/>
-          <p:cNvSpPr txBox="1"/>
-          <p:nvPr/>
-        </p:nvSpPr>
-        <p:spPr>
-          <a:xfrm>
-            <a:off x="7545858" y="1235676"/>
-            <a:ext cx="4456671" cy="923330"/>
-          </a:xfrm>
-          <a:prstGeom prst="rect">
-            <a:avLst/>
-          </a:prstGeom>
-          <a:noFill/>
-        </p:spPr>
-        <p:txBody>
-          <a:bodyPr wrap="square" rtlCol="0">
-            <a:spAutoFit/>
-          </a:bodyPr>
-          <a:lstStyle/>
-          <a:p>
-            <a:r>
-              <a:rPr lang="en-AU" dirty="0" smtClean="0"/>
-              <a:t>We subscribe to ‘</a:t>
-            </a:r>
-            <a:r>
-              <a:rPr lang="en-AU" dirty="0" err="1" smtClean="0"/>
-              <a:t>this.actions</a:t>
-            </a:r>
-            <a:r>
-              <a:rPr lang="en-AU" dirty="0" smtClean="0"/>
-              <a:t>$’ Observable and listen to actions </a:t>
-            </a:r>
-            <a:r>
-              <a:rPr lang="en-AU" dirty="0" err="1" smtClean="0"/>
-              <a:t>ofType</a:t>
-            </a:r>
-            <a:r>
-              <a:rPr lang="en-AU" dirty="0" smtClean="0"/>
-              <a:t> ‘GET_BOOKS’ or ‘GET_CARS’.</a:t>
-            </a:r>
-            <a:endParaRPr lang="en-AU" dirty="0"/>
-          </a:p>
-        </p:txBody>
-      </p:sp>
-      <p:grpSp>
-        <p:nvGrpSpPr>
-          <p:cNvPr id="12" name="Group 11"/>
-          <p:cNvGrpSpPr/>
-          <p:nvPr/>
-        </p:nvGrpSpPr>
-        <p:grpSpPr>
-          <a:xfrm>
-            <a:off x="3896497" y="1697341"/>
-            <a:ext cx="3649361" cy="2471005"/>
-            <a:chOff x="3896497" y="1697341"/>
-            <a:chExt cx="3649361" cy="2471005"/>
-          </a:xfrm>
-        </p:grpSpPr>
-        <p:cxnSp>
-          <p:nvCxnSpPr>
-            <p:cNvPr id="9" name="Straight Arrow Connector 8"/>
-            <p:cNvCxnSpPr>
-              <a:stCxn id="7" idx="1"/>
-            </p:cNvCxnSpPr>
-            <p:nvPr/>
-          </p:nvCxnSpPr>
-          <p:spPr>
-            <a:xfrm flipH="1">
-              <a:off x="4020065" y="1697341"/>
-              <a:ext cx="3525793" cy="1054097"/>
-            </a:xfrm>
-            <a:prstGeom prst="straightConnector1">
-              <a:avLst/>
-            </a:prstGeom>
-            <a:ln>
-              <a:solidFill>
-                <a:srgbClr val="FF0000"/>
-              </a:solidFill>
-              <a:tailEnd type="triangle"/>
-            </a:ln>
-          </p:spPr>
-          <p:style>
-            <a:lnRef idx="1">
-              <a:schemeClr val="accent1"/>
-            </a:lnRef>
-            <a:fillRef idx="0">
-              <a:schemeClr val="accent1"/>
-            </a:fillRef>
-            <a:effectRef idx="0">
-              <a:schemeClr val="accent1"/>
-            </a:effectRef>
-            <a:fontRef idx="minor">
-              <a:schemeClr val="tx1"/>
-            </a:fontRef>
-          </p:style>
-        </p:cxnSp>
-        <p:cxnSp>
-          <p:nvCxnSpPr>
-            <p:cNvPr id="11" name="Straight Arrow Connector 10"/>
-            <p:cNvCxnSpPr>
-              <a:stCxn id="7" idx="1"/>
-            </p:cNvCxnSpPr>
-            <p:nvPr/>
-          </p:nvCxnSpPr>
-          <p:spPr>
-            <a:xfrm flipH="1">
-              <a:off x="3896497" y="1697341"/>
-              <a:ext cx="3649361" cy="2471005"/>
-            </a:xfrm>
-            <a:prstGeom prst="straightConnector1">
-              <a:avLst/>
-            </a:prstGeom>
-            <a:ln>
-              <a:solidFill>
-                <a:srgbClr val="FF0000"/>
-              </a:solidFill>
-              <a:tailEnd type="triangle"/>
-            </a:ln>
-          </p:spPr>
-          <p:style>
-            <a:lnRef idx="1">
-              <a:schemeClr val="accent1"/>
-            </a:lnRef>
-            <a:fillRef idx="0">
-              <a:schemeClr val="accent1"/>
-            </a:fillRef>
-            <a:effectRef idx="0">
-              <a:schemeClr val="accent1"/>
-            </a:effectRef>
-            <a:fontRef idx="minor">
-              <a:schemeClr val="tx1"/>
-            </a:fontRef>
-          </p:style>
-        </p:cxnSp>
-      </p:grpSp>
-      <p:sp>
-        <p:nvSpPr>
-          <p:cNvPr id="13" name="TextBox 12"/>
-          <p:cNvSpPr txBox="1"/>
-          <p:nvPr/>
-        </p:nvSpPr>
-        <p:spPr>
-          <a:xfrm>
-            <a:off x="7486135" y="2677990"/>
-            <a:ext cx="4646142" cy="2585323"/>
-          </a:xfrm>
-          <a:prstGeom prst="rect">
-            <a:avLst/>
-          </a:prstGeom>
-          <a:noFill/>
-        </p:spPr>
-        <p:txBody>
-          <a:bodyPr wrap="square" rtlCol="0">
-            <a:spAutoFit/>
-          </a:bodyPr>
-          <a:lstStyle/>
-          <a:p>
-            <a:pPr marL="285750" indent="-285750">
-              <a:buClr>
-                <a:srgbClr val="FF0000"/>
-              </a:buClr>
-              <a:buFont typeface="Wingdings" panose="05000000000000000000" pitchFamily="2" charset="2"/>
-              <a:buChar char="v"/>
-            </a:pPr>
-            <a:r>
-              <a:rPr lang="en-AU" dirty="0"/>
-              <a:t>Then we call </a:t>
-            </a:r>
-            <a:r>
-              <a:rPr lang="en-AU" dirty="0" err="1"/>
-              <a:t>switchMap</a:t>
-            </a:r>
-            <a:r>
-              <a:rPr lang="en-AU" dirty="0"/>
-              <a:t> on that as we’re going to get a whole new observable from the </a:t>
-            </a:r>
-            <a:r>
-              <a:rPr lang="en-AU" dirty="0" smtClean="0"/>
-              <a:t>service.</a:t>
-            </a:r>
-          </a:p>
-          <a:p>
-            <a:pPr marL="285750" indent="-285750">
-              <a:buClr>
-                <a:srgbClr val="FF0000"/>
-              </a:buClr>
-              <a:buFont typeface="Wingdings" panose="05000000000000000000" pitchFamily="2" charset="2"/>
-              <a:buChar char="v"/>
-            </a:pPr>
-            <a:r>
-              <a:rPr lang="en-AU" dirty="0" smtClean="0"/>
-              <a:t>The </a:t>
-            </a:r>
-            <a:r>
-              <a:rPr lang="en-AU" dirty="0"/>
-              <a:t>subsequent map call then operates on a list of books/cars from the service. </a:t>
-            </a:r>
-            <a:endParaRPr lang="en-AU" dirty="0" smtClean="0"/>
-          </a:p>
-          <a:p>
-            <a:pPr marL="285750" indent="-285750">
-              <a:buClr>
-                <a:srgbClr val="FF0000"/>
-              </a:buClr>
-              <a:buFont typeface="Wingdings" panose="05000000000000000000" pitchFamily="2" charset="2"/>
-              <a:buChar char="v"/>
-            </a:pPr>
-            <a:r>
-              <a:rPr lang="en-AU" dirty="0" smtClean="0"/>
-              <a:t>We </a:t>
-            </a:r>
-            <a:r>
-              <a:rPr lang="en-AU" dirty="0"/>
-              <a:t>pass that </a:t>
-            </a:r>
-            <a:r>
-              <a:rPr lang="en-AU" dirty="0" smtClean="0"/>
-              <a:t>response list </a:t>
-            </a:r>
-            <a:r>
-              <a:rPr lang="en-AU" dirty="0"/>
-              <a:t>to </a:t>
-            </a:r>
-            <a:r>
-              <a:rPr lang="en-AU" dirty="0" smtClean="0"/>
-              <a:t>respective success action. </a:t>
-            </a:r>
-          </a:p>
-          <a:p>
-            <a:pPr marL="285750" indent="-285750">
-              <a:buClr>
-                <a:srgbClr val="FF0000"/>
-              </a:buClr>
-              <a:buFont typeface="Wingdings" panose="05000000000000000000" pitchFamily="2" charset="2"/>
-              <a:buChar char="v"/>
-            </a:pPr>
-            <a:r>
-              <a:rPr lang="en-AU" dirty="0" err="1" smtClean="0"/>
-              <a:t>Ngrx</a:t>
-            </a:r>
-            <a:r>
-              <a:rPr lang="en-AU" dirty="0" smtClean="0"/>
-              <a:t>/effects </a:t>
-            </a:r>
-            <a:r>
-              <a:rPr lang="en-AU" dirty="0"/>
-              <a:t>then will take care of dispatching this new action to the store.</a:t>
-            </a:r>
-          </a:p>
-        </p:txBody>
-      </p:sp>
-    </p:spTree>
-    <p:extLst>
-      <p:ext uri="{BB962C8B-B14F-4D97-AF65-F5344CB8AC3E}">
-        <p14:creationId xmlns:p14="http://schemas.microsoft.com/office/powerpoint/2010/main" val="4257121483"/>
       </p:ext>
     </p:extLst>
   </p:cSld>

--- a/example-angular2-ngrx/Introduction to Ngrx.pptx
+++ b/example-angular2-ngrx/Introduction to Ngrx.pptx
@@ -302,7 +302,7 @@
           <a:p>
             <a:fld id="{96DFF08F-DC6B-4601-B491-B0F83F6DD2DA}" type="datetimeFigureOut">
               <a:rPr lang="en-US" dirty="0"/>
-              <a:t>2/8/2017</a:t>
+              <a:t>9/6/2017</a:t>
             </a:fld>
             <a:endParaRPr lang="en-US" dirty="0"/>
           </a:p>
@@ -467,7 +467,7 @@
           <a:p>
             <a:fld id="{96DFF08F-DC6B-4601-B491-B0F83F6DD2DA}" type="datetimeFigureOut">
               <a:rPr lang="en-US" dirty="0"/>
-              <a:t>2/8/2017</a:t>
+              <a:t>9/6/2017</a:t>
             </a:fld>
             <a:endParaRPr lang="en-US" dirty="0"/>
           </a:p>
@@ -685,7 +685,7 @@
           <a:p>
             <a:fld id="{96DFF08F-DC6B-4601-B491-B0F83F6DD2DA}" type="datetimeFigureOut">
               <a:rPr lang="en-US" dirty="0"/>
-              <a:t>2/8/2017</a:t>
+              <a:t>9/6/2017</a:t>
             </a:fld>
             <a:endParaRPr lang="en-US" dirty="0"/>
           </a:p>
@@ -860,7 +860,7 @@
           <a:p>
             <a:fld id="{96DFF08F-DC6B-4601-B491-B0F83F6DD2DA}" type="datetimeFigureOut">
               <a:rPr lang="en-US" dirty="0"/>
-              <a:t>2/8/2017</a:t>
+              <a:t>9/6/2017</a:t>
             </a:fld>
             <a:endParaRPr lang="en-US" dirty="0"/>
           </a:p>
@@ -1162,7 +1162,7 @@
             <a:fld id="{96DFF08F-DC6B-4601-B491-B0F83F6DD2DA}" type="datetimeFigureOut">
               <a:rPr lang="en-US" dirty="0"/>
               <a:pPr/>
-              <a:t>2/8/2017</a:t>
+              <a:t>9/6/2017</a:t>
             </a:fld>
             <a:endParaRPr lang="en-US" dirty="0"/>
           </a:p>
@@ -1462,7 +1462,7 @@
           <a:p>
             <a:fld id="{96DFF08F-DC6B-4601-B491-B0F83F6DD2DA}" type="datetimeFigureOut">
               <a:rPr lang="en-US" dirty="0"/>
-              <a:t>2/8/2017</a:t>
+              <a:t>9/6/2017</a:t>
             </a:fld>
             <a:endParaRPr lang="en-US" dirty="0"/>
           </a:p>
@@ -1879,7 +1879,7 @@
           <a:p>
             <a:fld id="{96DFF08F-DC6B-4601-B491-B0F83F6DD2DA}" type="datetimeFigureOut">
               <a:rPr lang="en-US" dirty="0"/>
-              <a:t>2/8/2017</a:t>
+              <a:t>9/6/2017</a:t>
             </a:fld>
             <a:endParaRPr lang="en-US" dirty="0"/>
           </a:p>
@@ -1992,7 +1992,7 @@
           <a:p>
             <a:fld id="{96DFF08F-DC6B-4601-B491-B0F83F6DD2DA}" type="datetimeFigureOut">
               <a:rPr lang="en-US" dirty="0"/>
-              <a:t>2/8/2017</a:t>
+              <a:t>9/6/2017</a:t>
             </a:fld>
             <a:endParaRPr lang="en-US" dirty="0"/>
           </a:p>
@@ -2082,7 +2082,7 @@
           <a:p>
             <a:fld id="{96DFF08F-DC6B-4601-B491-B0F83F6DD2DA}" type="datetimeFigureOut">
               <a:rPr lang="en-US" dirty="0"/>
-              <a:t>2/8/2017</a:t>
+              <a:t>9/6/2017</a:t>
             </a:fld>
             <a:endParaRPr lang="en-US" dirty="0"/>
           </a:p>
@@ -2350,7 +2350,7 @@
           <a:p>
             <a:fld id="{96DFF08F-DC6B-4601-B491-B0F83F6DD2DA}" type="datetimeFigureOut">
               <a:rPr lang="en-US" dirty="0"/>
-              <a:t>2/8/2017</a:t>
+              <a:t>9/6/2017</a:t>
             </a:fld>
             <a:endParaRPr lang="en-US" dirty="0"/>
           </a:p>
@@ -2610,7 +2610,7 @@
           <a:p>
             <a:fld id="{96DFF08F-DC6B-4601-B491-B0F83F6DD2DA}" type="datetimeFigureOut">
               <a:rPr lang="en-US" dirty="0"/>
-              <a:t>2/8/2017</a:t>
+              <a:t>9/6/2017</a:t>
             </a:fld>
             <a:endParaRPr lang="en-US" dirty="0"/>
           </a:p>
@@ -2855,7 +2855,7 @@
             <a:fld id="{96DFF08F-DC6B-4601-B491-B0F83F6DD2DA}" type="datetimeFigureOut">
               <a:rPr lang="en-US" dirty="0"/>
               <a:pPr/>
-              <a:t>2/8/2017</a:t>
+              <a:t>9/6/2017</a:t>
             </a:fld>
             <a:endParaRPr lang="en-US" dirty="0"/>
           </a:p>
@@ -3357,11 +3357,7 @@
           <a:p>
             <a:r>
               <a:rPr lang="en-AU" sz="3600" b="1" dirty="0" smtClean="0"/>
-              <a:t>Timmy </a:t>
-            </a:r>
-            <a:r>
-              <a:rPr lang="en-AU" sz="3600" b="1" dirty="0" smtClean="0"/>
-              <a:t>Tom</a:t>
+              <a:t>Timmy Tom</a:t>
             </a:r>
             <a:br>
               <a:rPr lang="en-AU" sz="3600" b="1" dirty="0" smtClean="0"/>
@@ -3375,15 +3371,7 @@
             </a:br>
             <a:r>
               <a:rPr lang="en-AU" sz="3600" dirty="0" smtClean="0"/>
-              <a:t>Tata </a:t>
-            </a:r>
-            <a:r>
-              <a:rPr lang="en-AU" sz="3600" dirty="0" smtClean="0"/>
-              <a:t>Consultancy </a:t>
-            </a:r>
-            <a:r>
-              <a:rPr lang="en-AU" sz="3600" dirty="0" smtClean="0"/>
-              <a:t>Services</a:t>
+              <a:t>Tata Consultancy Services</a:t>
             </a:r>
             <a:endParaRPr lang="en-AU" sz="2800" dirty="0"/>
           </a:p>
@@ -4685,7 +4673,7 @@
         </p:nvSpPr>
         <p:spPr>
           <a:xfrm>
-            <a:off x="617839" y="5008605"/>
+            <a:off x="547501" y="4011136"/>
             <a:ext cx="10808042" cy="646331"/>
           </a:xfrm>
           <a:prstGeom prst="rect">
@@ -4721,6 +4709,39 @@
             <a:endParaRPr lang="en-AU" sz="3600" dirty="0">
               <a:latin typeface="Calibri" panose="020F0502020204030204" pitchFamily="34" charset="0"/>
             </a:endParaRPr>
+          </a:p>
+        </p:txBody>
+      </p:sp>
+      <p:sp>
+        <p:nvSpPr>
+          <p:cNvPr id="2" name="TextBox 1"/>
+          <p:cNvSpPr txBox="1"/>
+          <p:nvPr/>
+        </p:nvSpPr>
+        <p:spPr>
+          <a:xfrm>
+            <a:off x="1367692" y="5353538"/>
+            <a:ext cx="7221416" cy="369332"/>
+          </a:xfrm>
+          <a:prstGeom prst="rect">
+            <a:avLst/>
+          </a:prstGeom>
+          <a:noFill/>
+        </p:spPr>
+        <p:txBody>
+          <a:bodyPr wrap="square" rtlCol="0">
+            <a:spAutoFit/>
+          </a:bodyPr>
+          <a:lstStyle/>
+          <a:p>
+            <a:r>
+              <a:rPr lang="en-AU" dirty="0" smtClean="0"/>
+              <a:t>Meet up Link: https</a:t>
+            </a:r>
+            <a:r>
+              <a:rPr lang="en-AU" dirty="0"/>
+              <a:t>://www.meetup.com/ng-sydney/events/237320696/</a:t>
+            </a:r>
           </a:p>
         </p:txBody>
       </p:sp>
